--- a/Handout/Covert Channel Lecture Day 2.pptx
+++ b/Handout/Covert Channel Lecture Day 2.pptx
@@ -5,10 +5,10 @@
     <p:sldMasterId id="2147483673" r:id="rId1"/>
   </p:sldMasterIdLst>
   <p:notesMasterIdLst>
-    <p:notesMasterId r:id="rId20"/>
+    <p:notesMasterId r:id="rId22"/>
   </p:notesMasterIdLst>
   <p:handoutMasterIdLst>
-    <p:handoutMasterId r:id="rId21"/>
+    <p:handoutMasterId r:id="rId23"/>
   </p:handoutMasterIdLst>
   <p:sldIdLst>
     <p:sldId id="450" r:id="rId2"/>
@@ -19,16 +19,18 @@
     <p:sldId id="455" r:id="rId7"/>
     <p:sldId id="456" r:id="rId8"/>
     <p:sldId id="457" r:id="rId9"/>
-    <p:sldId id="458" r:id="rId10"/>
-    <p:sldId id="459" r:id="rId11"/>
-    <p:sldId id="460" r:id="rId12"/>
-    <p:sldId id="461" r:id="rId13"/>
-    <p:sldId id="462" r:id="rId14"/>
-    <p:sldId id="463" r:id="rId15"/>
-    <p:sldId id="464" r:id="rId16"/>
-    <p:sldId id="465" r:id="rId17"/>
-    <p:sldId id="466" r:id="rId18"/>
-    <p:sldId id="467" r:id="rId19"/>
+    <p:sldId id="552" r:id="rId10"/>
+    <p:sldId id="553" r:id="rId11"/>
+    <p:sldId id="458" r:id="rId12"/>
+    <p:sldId id="459" r:id="rId13"/>
+    <p:sldId id="460" r:id="rId14"/>
+    <p:sldId id="461" r:id="rId15"/>
+    <p:sldId id="462" r:id="rId16"/>
+    <p:sldId id="463" r:id="rId17"/>
+    <p:sldId id="464" r:id="rId18"/>
+    <p:sldId id="465" r:id="rId19"/>
+    <p:sldId id="466" r:id="rId20"/>
+    <p:sldId id="569" r:id="rId21"/>
   </p:sldIdLst>
   <p:sldSz cx="9144000" cy="6858000" type="screen4x3"/>
   <p:notesSz cx="6400800" cy="8686800"/>
@@ -231,7 +233,7 @@
           <a:p>
             <a:fld id="{24DAFBA8-35F2-4C04-8149-4585D62DFC6D}" type="datetimeFigureOut">
               <a:rPr lang="en-US" smtClean="0"/>
-              <a:t>6/2/2021</a:t>
+              <a:t>7/10/2022</a:t>
             </a:fld>
             <a:endParaRPr lang="en-US"/>
           </a:p>
@@ -398,7 +400,7 @@
             <a:fld id="{2ECEE970-886D-4DEB-A78D-5219D8C79727}" type="datetimeFigureOut">
               <a:rPr lang="en-US" smtClean="0"/>
               <a:pPr/>
-              <a:t>6/2/2021</a:t>
+              <a:t>7/10/2022</a:t>
             </a:fld>
             <a:endParaRPr lang="en-US"/>
           </a:p>
@@ -783,6 +785,309 @@
         </p:nvSpPr>
         <p:spPr/>
         <p:txBody>
+          <a:bodyPr>
+            <a:normAutofit fontScale="92500" lnSpcReduction="10000"/>
+          </a:bodyPr>
+          <a:lstStyle/>
+          <a:p>
+            <a:r>
+              <a:rPr lang="en-US" dirty="0"/>
+              <a:t>Dr J – AI wont work, it improves efficiency, it does nothing for effectiveness. Will not improve the effectiveness of failed processes.</a:t>
+            </a:r>
+          </a:p>
+          <a:p>
+            <a:endParaRPr lang="en-US" dirty="0"/>
+          </a:p>
+          <a:p>
+            <a:r>
+              <a:rPr lang="en-US" dirty="0"/>
+              <a:t>Traffic Normalizers – Remove ambiguities and policy breaking elements in network traffic. (i.e. replace TTL field)</a:t>
+            </a:r>
+          </a:p>
+          <a:p>
+            <a:r>
+              <a:rPr lang="en-US" dirty="0"/>
+              <a:t>	- Might also set setting headers to default values</a:t>
+            </a:r>
+          </a:p>
+          <a:p>
+            <a:r>
+              <a:rPr lang="en-US" dirty="0"/>
+              <a:t>	- Limited by buffer size for re-ordering or fixing timing</a:t>
+            </a:r>
+          </a:p>
+          <a:p>
+            <a:r>
+              <a:rPr lang="en-US" dirty="0"/>
+              <a:t>Statistical Approaches – Detection vs inter-arrival time pattern, random value pattern, and maybe others based on statistical value distributions</a:t>
+            </a:r>
+          </a:p>
+          <a:p>
+            <a:r>
+              <a:rPr lang="en-US" dirty="0"/>
+              <a:t>Machine Learning – Covert channels can be detected using supervised ML approaches </a:t>
+            </a:r>
+          </a:p>
+          <a:p>
+            <a:r>
+              <a:rPr lang="en-US" dirty="0"/>
+              <a:t>	-SVM – can detect IP ID or TCP ISN covert channels</a:t>
+            </a:r>
+          </a:p>
+          <a:p>
+            <a:r>
+              <a:rPr lang="en-US" dirty="0"/>
+              <a:t>	-NN – can detect TCP ISN</a:t>
+            </a:r>
+          </a:p>
+          <a:p>
+            <a:r>
+              <a:rPr lang="en-US" dirty="0"/>
+              <a:t>	-C4.5 DT – can detect inter-packet timing channels and simple protocol switching channels</a:t>
+            </a:r>
+          </a:p>
+          <a:p>
+            <a:r>
+              <a:rPr lang="en-US" dirty="0"/>
+              <a:t>Web Tap – measures browsing patters to determine if it is a legit user</a:t>
+            </a:r>
+          </a:p>
+          <a:p>
+            <a:r>
+              <a:rPr lang="en-US" dirty="0"/>
+              <a:t>	-Header format, Delay times, Request sizes, bandwidth usage (out vs in), request regularity/ time</a:t>
+            </a:r>
+          </a:p>
+          <a:p>
+            <a:r>
+              <a:rPr lang="en-US" dirty="0"/>
+              <a:t>Tunnel Hunter – statistical fingerprinting to detect network tunnels</a:t>
+            </a:r>
+          </a:p>
+          <a:p>
+            <a:r>
+              <a:rPr lang="en-US" dirty="0"/>
+              <a:t>	-IP packet size, time between arrival, order of arrival </a:t>
+            </a:r>
+          </a:p>
+          <a:p>
+            <a:endParaRPr lang="en-US" dirty="0"/>
+          </a:p>
+          <a:p>
+            <a:pPr marL="0" marR="0" lvl="0" indent="0" algn="l" defTabSz="914400" rtl="0" eaLnBrk="1" fontAlgn="auto" latinLnBrk="0" hangingPunct="1">
+              <a:lnSpc>
+                <a:spcPct val="100000"/>
+              </a:lnSpc>
+              <a:spcBef>
+                <a:spcPts val="0"/>
+              </a:spcBef>
+              <a:spcAft>
+                <a:spcPts val="0"/>
+              </a:spcAft>
+              <a:buClrTx/>
+              <a:buSzTx/>
+              <a:buFontTx/>
+              <a:buNone/>
+              <a:tabLst/>
+              <a:defRPr/>
+            </a:pPr>
+            <a:r>
+              <a:rPr lang="en-US" dirty="0"/>
+              <a:t>Screenshot from </a:t>
+            </a:r>
+            <a:r>
+              <a:rPr lang="en-US" sz="1200" dirty="0"/>
+              <a:t>A Pattern-based Survey and Categorization of Network Covert Channel Techniques by Steffen </a:t>
+            </a:r>
+            <a:r>
+              <a:rPr lang="en-US" sz="1200" dirty="0" err="1"/>
+              <a:t>Wendzel</a:t>
+            </a:r>
+            <a:r>
+              <a:rPr lang="en-US" dirty="0"/>
+              <a:t> </a:t>
+            </a:r>
+          </a:p>
+          <a:p>
+            <a:pPr marL="0" marR="0" lvl="0" indent="0" algn="l" defTabSz="914400" rtl="0" eaLnBrk="1" fontAlgn="auto" latinLnBrk="0" hangingPunct="1">
+              <a:lnSpc>
+                <a:spcPct val="100000"/>
+              </a:lnSpc>
+              <a:spcBef>
+                <a:spcPts val="0"/>
+              </a:spcBef>
+              <a:spcAft>
+                <a:spcPts val="0"/>
+              </a:spcAft>
+              <a:buClrTx/>
+              <a:buSzTx/>
+              <a:buFontTx/>
+              <a:buNone/>
+              <a:tabLst/>
+              <a:defRPr/>
+            </a:pPr>
+            <a:r>
+              <a:rPr lang="en-US" dirty="0"/>
+              <a:t>https://arxiv.org/pdf/1406.2901.pdf</a:t>
+            </a:r>
+          </a:p>
+          <a:p>
+            <a:endParaRPr lang="en-US" dirty="0"/>
+          </a:p>
+        </p:txBody>
+      </p:sp>
+    </p:spTree>
+    <p:extLst>
+      <p:ext uri="{BB962C8B-B14F-4D97-AF65-F5344CB8AC3E}">
+        <p14:creationId xmlns:p14="http://schemas.microsoft.com/office/powerpoint/2010/main" val="3578883136"/>
+      </p:ext>
+    </p:extLst>
+  </p:cSld>
+  <p:clrMapOvr>
+    <a:masterClrMapping/>
+  </p:clrMapOvr>
+</p:notes>
+</file>
+
+<file path=ppt/notesSlides/notesSlide3.xml><?xml version="1.0" encoding="utf-8"?>
+<p:notes xmlns:a="http://schemas.openxmlformats.org/drawingml/2006/main" xmlns:r="http://schemas.openxmlformats.org/officeDocument/2006/relationships" xmlns:p="http://schemas.openxmlformats.org/presentationml/2006/main">
+  <p:cSld>
+    <p:spTree>
+      <p:nvGrpSpPr>
+        <p:cNvPr id="1" name=""/>
+        <p:cNvGrpSpPr/>
+        <p:nvPr/>
+      </p:nvGrpSpPr>
+      <p:grpSpPr>
+        <a:xfrm>
+          <a:off x="0" y="0"/>
+          <a:ext cx="0" cy="0"/>
+          <a:chOff x="0" y="0"/>
+          <a:chExt cx="0" cy="0"/>
+        </a:xfrm>
+      </p:grpSpPr>
+      <p:sp>
+        <p:nvSpPr>
+          <p:cNvPr id="2" name="Slide Image Placeholder 1"/>
+          <p:cNvSpPr>
+            <a:spLocks noGrp="1" noRot="1" noChangeAspect="1"/>
+          </p:cNvSpPr>
+          <p:nvPr>
+            <p:ph type="sldImg"/>
+          </p:nvPr>
+        </p:nvSpPr>
+        <p:spPr/>
+      </p:sp>
+      <p:sp>
+        <p:nvSpPr>
+          <p:cNvPr id="3" name="Notes Placeholder 2"/>
+          <p:cNvSpPr>
+            <a:spLocks noGrp="1"/>
+          </p:cNvSpPr>
+          <p:nvPr>
+            <p:ph type="body" idx="1"/>
+          </p:nvPr>
+        </p:nvSpPr>
+        <p:spPr/>
+        <p:txBody>
+          <a:bodyPr/>
+          <a:lstStyle/>
+          <a:p>
+            <a:r>
+              <a:rPr lang="en-US" dirty="0"/>
+              <a:t>Why is detection extremely difficult? – Everything can be used for good and bad.</a:t>
+            </a:r>
+          </a:p>
+          <a:p>
+            <a:r>
+              <a:rPr lang="en-US" dirty="0"/>
+              <a:t>Only way to determine intent is after the fact.</a:t>
+            </a:r>
+          </a:p>
+          <a:p>
+            <a:endParaRPr lang="en-US" dirty="0"/>
+          </a:p>
+          <a:p>
+            <a:r>
+              <a:rPr lang="en-US" dirty="0"/>
+              <a:t>Dr J video: </a:t>
+            </a:r>
+            <a:r>
+              <a:rPr lang="en-US" dirty="0">
+                <a:hlinkClick r:id="rId3"/>
+              </a:rPr>
+              <a:t>https://drive.google.com/file/d/16HpL1qxRjlv6YxaC59_Jb3yMlKtvaJni/view?fbclid=IwAR2PlPvzaUYx6Dvmn2X0-ro398YgznFL4QzrdKxUlN7lBlHzx9LdZAWsVys</a:t>
+            </a:r>
+            <a:endParaRPr lang="en-US" dirty="0"/>
+          </a:p>
+          <a:p>
+            <a:r>
+              <a:rPr lang="en-US" dirty="0"/>
+              <a:t>7:35 for Hume’s Induction Problem</a:t>
+            </a:r>
+          </a:p>
+          <a:p>
+            <a:r>
+              <a:rPr lang="en-US" dirty="0"/>
+              <a:t>47:28 for why AI/ML wont save us (ends at 50:30)</a:t>
+            </a:r>
+          </a:p>
+        </p:txBody>
+      </p:sp>
+    </p:spTree>
+    <p:extLst>
+      <p:ext uri="{BB962C8B-B14F-4D97-AF65-F5344CB8AC3E}">
+        <p14:creationId xmlns:p14="http://schemas.microsoft.com/office/powerpoint/2010/main" val="2525503367"/>
+      </p:ext>
+    </p:extLst>
+  </p:cSld>
+  <p:clrMapOvr>
+    <a:masterClrMapping/>
+  </p:clrMapOvr>
+</p:notes>
+</file>
+
+<file path=ppt/notesSlides/notesSlide4.xml><?xml version="1.0" encoding="utf-8"?>
+<p:notes xmlns:a="http://schemas.openxmlformats.org/drawingml/2006/main" xmlns:r="http://schemas.openxmlformats.org/officeDocument/2006/relationships" xmlns:p="http://schemas.openxmlformats.org/presentationml/2006/main">
+  <p:cSld>
+    <p:spTree>
+      <p:nvGrpSpPr>
+        <p:cNvPr id="1" name=""/>
+        <p:cNvGrpSpPr/>
+        <p:nvPr/>
+      </p:nvGrpSpPr>
+      <p:grpSpPr>
+        <a:xfrm>
+          <a:off x="0" y="0"/>
+          <a:ext cx="0" cy="0"/>
+          <a:chOff x="0" y="0"/>
+          <a:chExt cx="0" cy="0"/>
+        </a:xfrm>
+      </p:grpSpPr>
+      <p:sp>
+        <p:nvSpPr>
+          <p:cNvPr id="2" name="Slide Image Placeholder 1"/>
+          <p:cNvSpPr>
+            <a:spLocks noGrp="1" noRot="1" noChangeAspect="1"/>
+          </p:cNvSpPr>
+          <p:nvPr>
+            <p:ph type="sldImg"/>
+          </p:nvPr>
+        </p:nvSpPr>
+        <p:spPr/>
+      </p:sp>
+      <p:sp>
+        <p:nvSpPr>
+          <p:cNvPr id="3" name="Notes Placeholder 2"/>
+          <p:cNvSpPr>
+            <a:spLocks noGrp="1"/>
+          </p:cNvSpPr>
+          <p:nvPr>
+            <p:ph type="body" idx="1"/>
+          </p:nvPr>
+        </p:nvSpPr>
+        <p:spPr/>
+        <p:txBody>
           <a:bodyPr/>
           <a:lstStyle/>
           <a:p>
@@ -854,6 +1159,757 @@
     <p:extLst>
       <p:ext uri="{BB962C8B-B14F-4D97-AF65-F5344CB8AC3E}">
         <p14:creationId xmlns:p14="http://schemas.microsoft.com/office/powerpoint/2010/main" val="3689677744"/>
+      </p:ext>
+    </p:extLst>
+  </p:cSld>
+  <p:clrMapOvr>
+    <a:masterClrMapping/>
+  </p:clrMapOvr>
+</p:notes>
+</file>
+
+<file path=ppt/notesSlides/notesSlide5.xml><?xml version="1.0" encoding="utf-8"?>
+<p:notes xmlns:a="http://schemas.openxmlformats.org/drawingml/2006/main" xmlns:r="http://schemas.openxmlformats.org/officeDocument/2006/relationships" xmlns:p="http://schemas.openxmlformats.org/presentationml/2006/main">
+  <p:cSld>
+    <p:spTree>
+      <p:nvGrpSpPr>
+        <p:cNvPr id="1" name=""/>
+        <p:cNvGrpSpPr/>
+        <p:nvPr/>
+      </p:nvGrpSpPr>
+      <p:grpSpPr>
+        <a:xfrm>
+          <a:off x="0" y="0"/>
+          <a:ext cx="0" cy="0"/>
+          <a:chOff x="0" y="0"/>
+          <a:chExt cx="0" cy="0"/>
+        </a:xfrm>
+      </p:grpSpPr>
+      <p:sp>
+        <p:nvSpPr>
+          <p:cNvPr id="2" name="Slide Image Placeholder 1"/>
+          <p:cNvSpPr>
+            <a:spLocks noGrp="1" noRot="1" noChangeAspect="1"/>
+          </p:cNvSpPr>
+          <p:nvPr>
+            <p:ph type="sldImg"/>
+          </p:nvPr>
+        </p:nvSpPr>
+        <p:spPr/>
+      </p:sp>
+      <p:sp>
+        <p:nvSpPr>
+          <p:cNvPr id="3" name="Notes Placeholder 2"/>
+          <p:cNvSpPr>
+            <a:spLocks noGrp="1"/>
+          </p:cNvSpPr>
+          <p:nvPr>
+            <p:ph type="body" idx="1"/>
+          </p:nvPr>
+        </p:nvSpPr>
+        <p:spPr/>
+        <p:txBody>
+          <a:bodyPr>
+            <a:normAutofit fontScale="92500" lnSpcReduction="10000"/>
+          </a:bodyPr>
+          <a:lstStyle/>
+          <a:p>
+            <a:pPr algn="l"/>
+            <a:r>
+              <a:rPr lang="en-US" b="0" i="0" dirty="0">
+                <a:solidFill>
+                  <a:srgbClr val="222222"/>
+                </a:solidFill>
+                <a:effectLst/>
+                <a:latin typeface="Arial" panose="020B0604020202020204" pitchFamily="34" charset="0"/>
+              </a:rPr>
+              <a:t>[1] S. </a:t>
+            </a:r>
+            <a:r>
+              <a:rPr lang="en-US" b="0" i="0" dirty="0" err="1">
+                <a:solidFill>
+                  <a:srgbClr val="222222"/>
+                </a:solidFill>
+                <a:effectLst/>
+                <a:latin typeface="Arial" panose="020B0604020202020204" pitchFamily="34" charset="0"/>
+              </a:rPr>
+              <a:t>Wendzel</a:t>
+            </a:r>
+            <a:r>
+              <a:rPr lang="en-US" b="0" i="0" dirty="0">
+                <a:solidFill>
+                  <a:srgbClr val="222222"/>
+                </a:solidFill>
+                <a:effectLst/>
+                <a:latin typeface="Arial" panose="020B0604020202020204" pitchFamily="34" charset="0"/>
+              </a:rPr>
+              <a:t>, S. Zander, B. Fechner, C. </a:t>
+            </a:r>
+            <a:r>
+              <a:rPr lang="en-US" b="0" i="0" dirty="0" err="1">
+                <a:solidFill>
+                  <a:srgbClr val="222222"/>
+                </a:solidFill>
+                <a:effectLst/>
+                <a:latin typeface="Arial" panose="020B0604020202020204" pitchFamily="34" charset="0"/>
+              </a:rPr>
+              <a:t>Herdin</a:t>
+            </a:r>
+            <a:r>
+              <a:rPr lang="en-US" b="0" i="0" dirty="0">
+                <a:solidFill>
+                  <a:srgbClr val="222222"/>
+                </a:solidFill>
+                <a:effectLst/>
+                <a:latin typeface="Arial" panose="020B0604020202020204" pitchFamily="34" charset="0"/>
+              </a:rPr>
+              <a:t>: </a:t>
+            </a:r>
+            <a:r>
+              <a:rPr lang="en-US" b="0" i="1" u="none" strike="noStrike" dirty="0">
+                <a:solidFill>
+                  <a:srgbClr val="1177CC"/>
+                </a:solidFill>
+                <a:effectLst/>
+                <a:latin typeface="Arial" panose="020B0604020202020204" pitchFamily="34" charset="0"/>
+                <a:hlinkClick r:id="rId3"/>
+              </a:rPr>
+              <a:t>Pattern-based Survey and Categorization of Network Covert Channel Techniques</a:t>
+            </a:r>
+            <a:r>
+              <a:rPr lang="en-US" b="0" i="0" dirty="0">
+                <a:solidFill>
+                  <a:srgbClr val="222222"/>
+                </a:solidFill>
+                <a:effectLst/>
+                <a:latin typeface="Arial" panose="020B0604020202020204" pitchFamily="34" charset="0"/>
+              </a:rPr>
+              <a:t>, ACM Computing Surveys, Vol. 47, Issue 3, pp. 50:1-26, ACM, 2015.</a:t>
+            </a:r>
+            <a:br>
+              <a:rPr lang="en-US" b="0" i="0" dirty="0">
+                <a:solidFill>
+                  <a:srgbClr val="222222"/>
+                </a:solidFill>
+                <a:effectLst/>
+                <a:latin typeface="Arial" panose="020B0604020202020204" pitchFamily="34" charset="0"/>
+              </a:rPr>
+            </a:br>
+            <a:r>
+              <a:rPr lang="en-US" b="0" i="0" dirty="0">
+                <a:solidFill>
+                  <a:srgbClr val="222222"/>
+                </a:solidFill>
+                <a:effectLst/>
+                <a:latin typeface="Arial" panose="020B0604020202020204" pitchFamily="34" charset="0"/>
+              </a:rPr>
+              <a:t>An early version of the article is available here: </a:t>
+            </a:r>
+            <a:r>
+              <a:rPr lang="en-US" b="0" i="0" u="none" strike="noStrike" dirty="0">
+                <a:solidFill>
+                  <a:srgbClr val="1177CC"/>
+                </a:solidFill>
+                <a:effectLst/>
+                <a:latin typeface="Arial" panose="020B0604020202020204" pitchFamily="34" charset="0"/>
+                <a:hlinkClick r:id="rId4"/>
+              </a:rPr>
+              <a:t>download</a:t>
+            </a:r>
+            <a:r>
+              <a:rPr lang="en-US" b="0" i="0" dirty="0">
+                <a:solidFill>
+                  <a:srgbClr val="222222"/>
+                </a:solidFill>
+                <a:effectLst/>
+                <a:latin typeface="Arial" panose="020B0604020202020204" pitchFamily="34" charset="0"/>
+              </a:rPr>
+              <a:t>.</a:t>
+            </a:r>
+            <a:br>
+              <a:rPr lang="en-US" b="0" i="0" dirty="0">
+                <a:solidFill>
+                  <a:srgbClr val="222222"/>
+                </a:solidFill>
+                <a:effectLst/>
+                <a:latin typeface="Arial" panose="020B0604020202020204" pitchFamily="34" charset="0"/>
+              </a:rPr>
+            </a:br>
+            <a:br>
+              <a:rPr lang="en-US" b="0" i="0" dirty="0">
+                <a:solidFill>
+                  <a:srgbClr val="222222"/>
+                </a:solidFill>
+                <a:effectLst/>
+                <a:latin typeface="Arial" panose="020B0604020202020204" pitchFamily="34" charset="0"/>
+              </a:rPr>
+            </a:br>
+            <a:r>
+              <a:rPr lang="en-US" b="0" i="0" dirty="0">
+                <a:solidFill>
+                  <a:srgbClr val="222222"/>
+                </a:solidFill>
+                <a:effectLst/>
+                <a:latin typeface="Arial" panose="020B0604020202020204" pitchFamily="34" charset="0"/>
+              </a:rPr>
+              <a:t>[2] W. </a:t>
+            </a:r>
+            <a:r>
+              <a:rPr lang="en-US" b="0" i="0" dirty="0" err="1">
+                <a:solidFill>
+                  <a:srgbClr val="222222"/>
+                </a:solidFill>
+                <a:effectLst/>
+                <a:latin typeface="Arial" panose="020B0604020202020204" pitchFamily="34" charset="0"/>
+              </a:rPr>
+              <a:t>Mazurczyk</a:t>
+            </a:r>
+            <a:r>
+              <a:rPr lang="en-US" b="0" i="0" dirty="0">
+                <a:solidFill>
+                  <a:srgbClr val="222222"/>
+                </a:solidFill>
+                <a:effectLst/>
+                <a:latin typeface="Arial" panose="020B0604020202020204" pitchFamily="34" charset="0"/>
+              </a:rPr>
+              <a:t>, S. </a:t>
+            </a:r>
+            <a:r>
+              <a:rPr lang="en-US" b="0" i="0" dirty="0" err="1">
+                <a:solidFill>
+                  <a:srgbClr val="222222"/>
+                </a:solidFill>
+                <a:effectLst/>
+                <a:latin typeface="Arial" panose="020B0604020202020204" pitchFamily="34" charset="0"/>
+              </a:rPr>
+              <a:t>Wendzel</a:t>
+            </a:r>
+            <a:r>
+              <a:rPr lang="en-US" b="0" i="0" dirty="0">
+                <a:solidFill>
+                  <a:srgbClr val="222222"/>
+                </a:solidFill>
+                <a:effectLst/>
+                <a:latin typeface="Arial" panose="020B0604020202020204" pitchFamily="34" charset="0"/>
+              </a:rPr>
+              <a:t>, S. Zander, A. </a:t>
+            </a:r>
+            <a:r>
+              <a:rPr lang="en-US" b="0" i="0" dirty="0" err="1">
+                <a:solidFill>
+                  <a:srgbClr val="222222"/>
+                </a:solidFill>
+                <a:effectLst/>
+                <a:latin typeface="Arial" panose="020B0604020202020204" pitchFamily="34" charset="0"/>
+              </a:rPr>
+              <a:t>Houmansadr</a:t>
+            </a:r>
+            <a:r>
+              <a:rPr lang="en-US" b="0" i="0" dirty="0">
+                <a:solidFill>
+                  <a:srgbClr val="222222"/>
+                </a:solidFill>
+                <a:effectLst/>
+                <a:latin typeface="Arial" panose="020B0604020202020204" pitchFamily="34" charset="0"/>
+              </a:rPr>
+              <a:t>, K. </a:t>
+            </a:r>
+            <a:r>
+              <a:rPr lang="en-US" b="0" i="0" dirty="0" err="1">
+                <a:solidFill>
+                  <a:srgbClr val="222222"/>
+                </a:solidFill>
+                <a:effectLst/>
+                <a:latin typeface="Arial" panose="020B0604020202020204" pitchFamily="34" charset="0"/>
+              </a:rPr>
+              <a:t>Szczypiorski</a:t>
+            </a:r>
+            <a:r>
+              <a:rPr lang="en-US" b="0" i="0" dirty="0">
+                <a:solidFill>
+                  <a:srgbClr val="222222"/>
+                </a:solidFill>
+                <a:effectLst/>
+                <a:latin typeface="Arial" panose="020B0604020202020204" pitchFamily="34" charset="0"/>
+              </a:rPr>
+              <a:t>: </a:t>
+            </a:r>
+            <a:r>
+              <a:rPr lang="en-US" b="0" i="1" u="none" strike="noStrike" dirty="0">
+                <a:solidFill>
+                  <a:srgbClr val="1177CC"/>
+                </a:solidFill>
+                <a:effectLst/>
+                <a:latin typeface="Arial" panose="020B0604020202020204" pitchFamily="34" charset="0"/>
+                <a:hlinkClick r:id="rId5"/>
+              </a:rPr>
+              <a:t>Information Hiding in Communication Networks</a:t>
+            </a:r>
+            <a:r>
+              <a:rPr lang="en-US" b="0" i="0" dirty="0">
+                <a:solidFill>
+                  <a:srgbClr val="222222"/>
+                </a:solidFill>
+                <a:effectLst/>
+                <a:latin typeface="Arial" panose="020B0604020202020204" pitchFamily="34" charset="0"/>
+              </a:rPr>
+              <a:t>, Wiley, 2016. Chapters 3 and 8 contain discussions on hiding patterns, basically on the basis of [1] but with an extension of timing-based patterns.</a:t>
+            </a:r>
+            <a:br>
+              <a:rPr lang="en-US" b="0" i="0" dirty="0">
+                <a:solidFill>
+                  <a:srgbClr val="222222"/>
+                </a:solidFill>
+                <a:effectLst/>
+                <a:latin typeface="Arial" panose="020B0604020202020204" pitchFamily="34" charset="0"/>
+              </a:rPr>
+            </a:br>
+            <a:br>
+              <a:rPr lang="en-US" b="0" i="0" dirty="0">
+                <a:solidFill>
+                  <a:srgbClr val="222222"/>
+                </a:solidFill>
+                <a:effectLst/>
+                <a:latin typeface="Arial" panose="020B0604020202020204" pitchFamily="34" charset="0"/>
+              </a:rPr>
+            </a:br>
+            <a:r>
+              <a:rPr lang="en-US" b="0" i="0" dirty="0">
+                <a:solidFill>
+                  <a:srgbClr val="222222"/>
+                </a:solidFill>
+                <a:effectLst/>
+                <a:latin typeface="Arial" panose="020B0604020202020204" pitchFamily="34" charset="0"/>
+              </a:rPr>
+              <a:t>[3] W. </a:t>
+            </a:r>
+            <a:r>
+              <a:rPr lang="en-US" b="0" i="0" dirty="0" err="1">
+                <a:solidFill>
+                  <a:srgbClr val="222222"/>
+                </a:solidFill>
+                <a:effectLst/>
+                <a:latin typeface="Arial" panose="020B0604020202020204" pitchFamily="34" charset="0"/>
+              </a:rPr>
+              <a:t>Mazurczyk</a:t>
+            </a:r>
+            <a:r>
+              <a:rPr lang="en-US" b="0" i="0" dirty="0">
+                <a:solidFill>
+                  <a:srgbClr val="222222"/>
+                </a:solidFill>
+                <a:effectLst/>
+                <a:latin typeface="Arial" panose="020B0604020202020204" pitchFamily="34" charset="0"/>
+              </a:rPr>
+              <a:t>, S. </a:t>
+            </a:r>
+            <a:r>
+              <a:rPr lang="en-US" b="0" i="0" dirty="0" err="1">
+                <a:solidFill>
+                  <a:srgbClr val="222222"/>
+                </a:solidFill>
+                <a:effectLst/>
+                <a:latin typeface="Arial" panose="020B0604020202020204" pitchFamily="34" charset="0"/>
+              </a:rPr>
+              <a:t>Wendzel</a:t>
+            </a:r>
+            <a:r>
+              <a:rPr lang="en-US" b="0" i="0" dirty="0">
+                <a:solidFill>
+                  <a:srgbClr val="222222"/>
+                </a:solidFill>
+                <a:effectLst/>
+                <a:latin typeface="Arial" panose="020B0604020202020204" pitchFamily="34" charset="0"/>
+              </a:rPr>
+              <a:t>, K. </a:t>
+            </a:r>
+            <a:r>
+              <a:rPr lang="en-US" b="0" i="0" dirty="0" err="1">
+                <a:solidFill>
+                  <a:srgbClr val="222222"/>
+                </a:solidFill>
+                <a:effectLst/>
+                <a:latin typeface="Arial" panose="020B0604020202020204" pitchFamily="34" charset="0"/>
+              </a:rPr>
+              <a:t>Cabaj</a:t>
+            </a:r>
+            <a:r>
+              <a:rPr lang="en-US" b="0" i="0" dirty="0">
+                <a:solidFill>
+                  <a:srgbClr val="222222"/>
+                </a:solidFill>
+                <a:effectLst/>
+                <a:latin typeface="Arial" panose="020B0604020202020204" pitchFamily="34" charset="0"/>
+              </a:rPr>
+              <a:t>: </a:t>
+            </a:r>
+            <a:r>
+              <a:rPr lang="en-US" b="0" i="1" u="none" strike="noStrike" dirty="0">
+                <a:solidFill>
+                  <a:srgbClr val="1177CC"/>
+                </a:solidFill>
+                <a:effectLst/>
+                <a:latin typeface="Arial" panose="020B0604020202020204" pitchFamily="34" charset="0"/>
+                <a:hlinkClick r:id="rId6"/>
+              </a:rPr>
+              <a:t>Towards Deriving Insights into Data Hiding Methods Using Pattern-based Approach</a:t>
+            </a:r>
+            <a:r>
+              <a:rPr lang="en-US" b="0" i="0" dirty="0">
+                <a:solidFill>
+                  <a:srgbClr val="222222"/>
+                </a:solidFill>
+                <a:effectLst/>
+                <a:latin typeface="Arial" panose="020B0604020202020204" pitchFamily="34" charset="0"/>
+              </a:rPr>
+              <a:t>, in Proc. Second International Workshop on Criminal Use of Information Hiding (CUING 2018) at ARES, pp. 10:1-10:10, ACM, 2018.</a:t>
+            </a:r>
+          </a:p>
+          <a:p>
+            <a:pPr algn="l"/>
+            <a:r>
+              <a:rPr lang="en-US" b="0" i="0" dirty="0">
+                <a:solidFill>
+                  <a:srgbClr val="222222"/>
+                </a:solidFill>
+                <a:effectLst/>
+                <a:latin typeface="Arial" panose="020B0604020202020204" pitchFamily="34" charset="0"/>
+              </a:rPr>
+              <a:t>[4] A. </a:t>
+            </a:r>
+            <a:r>
+              <a:rPr lang="en-US" b="0" i="0" dirty="0" err="1">
+                <a:solidFill>
+                  <a:srgbClr val="222222"/>
+                </a:solidFill>
+                <a:effectLst/>
+                <a:latin typeface="Arial" panose="020B0604020202020204" pitchFamily="34" charset="0"/>
+              </a:rPr>
+              <a:t>Velinov</a:t>
+            </a:r>
+            <a:r>
+              <a:rPr lang="en-US" b="0" i="0" dirty="0">
+                <a:solidFill>
+                  <a:srgbClr val="222222"/>
+                </a:solidFill>
+                <a:effectLst/>
+                <a:latin typeface="Arial" panose="020B0604020202020204" pitchFamily="34" charset="0"/>
+              </a:rPr>
+              <a:t>, A. </a:t>
+            </a:r>
+            <a:r>
+              <a:rPr lang="en-US" b="0" i="0" dirty="0" err="1">
+                <a:solidFill>
+                  <a:srgbClr val="222222"/>
+                </a:solidFill>
+                <a:effectLst/>
+                <a:latin typeface="Arial" panose="020B0604020202020204" pitchFamily="34" charset="0"/>
+              </a:rPr>
+              <a:t>Mileva</a:t>
+            </a:r>
+            <a:r>
+              <a:rPr lang="en-US" b="0" i="0" dirty="0">
+                <a:solidFill>
+                  <a:srgbClr val="222222"/>
+                </a:solidFill>
+                <a:effectLst/>
+                <a:latin typeface="Arial" panose="020B0604020202020204" pitchFamily="34" charset="0"/>
+              </a:rPr>
+              <a:t>, S. </a:t>
+            </a:r>
+            <a:r>
+              <a:rPr lang="en-US" b="0" i="0" dirty="0" err="1">
+                <a:solidFill>
+                  <a:srgbClr val="222222"/>
+                </a:solidFill>
+                <a:effectLst/>
+                <a:latin typeface="Arial" panose="020B0604020202020204" pitchFamily="34" charset="0"/>
+              </a:rPr>
+              <a:t>Wendzel</a:t>
+            </a:r>
+            <a:r>
+              <a:rPr lang="en-US" b="0" i="0" dirty="0">
+                <a:solidFill>
+                  <a:srgbClr val="222222"/>
+                </a:solidFill>
+                <a:effectLst/>
+                <a:latin typeface="Arial" panose="020B0604020202020204" pitchFamily="34" charset="0"/>
+              </a:rPr>
+              <a:t>, W. </a:t>
+            </a:r>
+            <a:r>
+              <a:rPr lang="en-US" b="0" i="0" dirty="0" err="1">
+                <a:solidFill>
+                  <a:srgbClr val="222222"/>
+                </a:solidFill>
+                <a:effectLst/>
+                <a:latin typeface="Arial" panose="020B0604020202020204" pitchFamily="34" charset="0"/>
+              </a:rPr>
+              <a:t>Mazurczyk</a:t>
+            </a:r>
+            <a:r>
+              <a:rPr lang="en-US" b="0" i="0" dirty="0">
+                <a:solidFill>
+                  <a:srgbClr val="222222"/>
+                </a:solidFill>
+                <a:effectLst/>
+                <a:latin typeface="Arial" panose="020B0604020202020204" pitchFamily="34" charset="0"/>
+              </a:rPr>
+              <a:t>: </a:t>
+            </a:r>
+            <a:r>
+              <a:rPr lang="en-US" b="0" i="0" u="none" strike="noStrike" dirty="0">
+                <a:solidFill>
+                  <a:srgbClr val="1177CC"/>
+                </a:solidFill>
+                <a:effectLst/>
+                <a:latin typeface="Arial" panose="020B0604020202020204" pitchFamily="34" charset="0"/>
+                <a:hlinkClick r:id="rId7"/>
+              </a:rPr>
+              <a:t>Covert Channels in MQTT-based Internet of Things</a:t>
+            </a:r>
+            <a:r>
+              <a:rPr lang="en-US" b="0" i="0" dirty="0">
+                <a:solidFill>
+                  <a:srgbClr val="222222"/>
+                </a:solidFill>
+                <a:effectLst/>
+                <a:latin typeface="Arial" panose="020B0604020202020204" pitchFamily="34" charset="0"/>
+              </a:rPr>
+              <a:t>, </a:t>
+            </a:r>
+            <a:r>
+              <a:rPr lang="en-US" b="0" i="1" dirty="0">
+                <a:solidFill>
+                  <a:srgbClr val="222222"/>
+                </a:solidFill>
+                <a:effectLst/>
+                <a:latin typeface="Arial" panose="020B0604020202020204" pitchFamily="34" charset="0"/>
+              </a:rPr>
+              <a:t>IEEE ACCESS</a:t>
+            </a:r>
+            <a:r>
+              <a:rPr lang="en-US" b="0" i="0" dirty="0">
+                <a:solidFill>
+                  <a:srgbClr val="222222"/>
+                </a:solidFill>
+                <a:effectLst/>
+                <a:latin typeface="Arial" panose="020B0604020202020204" pitchFamily="34" charset="0"/>
+              </a:rPr>
+              <a:t>, Vol. 7, pp. 161899-161915, 2019. </a:t>
+            </a:r>
+            <a:br>
+              <a:rPr lang="en-US" b="0" i="0" dirty="0">
+                <a:solidFill>
+                  <a:srgbClr val="222222"/>
+                </a:solidFill>
+                <a:effectLst/>
+                <a:latin typeface="Arial" panose="020B0604020202020204" pitchFamily="34" charset="0"/>
+              </a:rPr>
+            </a:br>
+            <a:endParaRPr lang="en-US" b="0" i="0" dirty="0">
+              <a:solidFill>
+                <a:srgbClr val="222222"/>
+              </a:solidFill>
+              <a:effectLst/>
+              <a:latin typeface="Arial" panose="020B0604020202020204" pitchFamily="34" charset="0"/>
+            </a:endParaRPr>
+          </a:p>
+          <a:p>
+            <a:pPr algn="l"/>
+            <a:r>
+              <a:rPr lang="en-US" b="0" i="0" dirty="0">
+                <a:solidFill>
+                  <a:srgbClr val="222222"/>
+                </a:solidFill>
+                <a:effectLst/>
+                <a:latin typeface="Arial" panose="020B0604020202020204" pitchFamily="34" charset="0"/>
+              </a:rPr>
+              <a:t>[5] A. </a:t>
+            </a:r>
+            <a:r>
+              <a:rPr lang="en-US" b="0" i="0" dirty="0" err="1">
+                <a:solidFill>
+                  <a:srgbClr val="222222"/>
+                </a:solidFill>
+                <a:effectLst/>
+                <a:latin typeface="Arial" panose="020B0604020202020204" pitchFamily="34" charset="0"/>
+              </a:rPr>
+              <a:t>Mileva</a:t>
+            </a:r>
+            <a:r>
+              <a:rPr lang="en-US" b="0" i="0" dirty="0">
+                <a:solidFill>
+                  <a:srgbClr val="222222"/>
+                </a:solidFill>
+                <a:effectLst/>
+                <a:latin typeface="Arial" panose="020B0604020202020204" pitchFamily="34" charset="0"/>
+              </a:rPr>
+              <a:t>, A. </a:t>
+            </a:r>
+            <a:r>
+              <a:rPr lang="en-US" b="0" i="0" dirty="0" err="1">
+                <a:solidFill>
+                  <a:srgbClr val="222222"/>
+                </a:solidFill>
+                <a:effectLst/>
+                <a:latin typeface="Arial" panose="020B0604020202020204" pitchFamily="34" charset="0"/>
+              </a:rPr>
+              <a:t>Velinov</a:t>
+            </a:r>
+            <a:r>
+              <a:rPr lang="en-US" b="0" i="0" dirty="0">
+                <a:solidFill>
+                  <a:srgbClr val="222222"/>
+                </a:solidFill>
+                <a:effectLst/>
+                <a:latin typeface="Arial" panose="020B0604020202020204" pitchFamily="34" charset="0"/>
+              </a:rPr>
+              <a:t>, L. Hartmann, S. </a:t>
+            </a:r>
+            <a:r>
+              <a:rPr lang="en-US" b="0" i="0" dirty="0" err="1">
+                <a:solidFill>
+                  <a:srgbClr val="222222"/>
+                </a:solidFill>
+                <a:effectLst/>
+                <a:latin typeface="Arial" panose="020B0604020202020204" pitchFamily="34" charset="0"/>
+              </a:rPr>
+              <a:t>Wendzel</a:t>
+            </a:r>
+            <a:r>
+              <a:rPr lang="en-US" b="0" i="0" dirty="0">
+                <a:solidFill>
+                  <a:srgbClr val="222222"/>
+                </a:solidFill>
+                <a:effectLst/>
+                <a:latin typeface="Arial" panose="020B0604020202020204" pitchFamily="34" charset="0"/>
+              </a:rPr>
+              <a:t>, W. </a:t>
+            </a:r>
+            <a:r>
+              <a:rPr lang="en-US" b="0" i="0" dirty="0" err="1">
+                <a:solidFill>
+                  <a:srgbClr val="222222"/>
+                </a:solidFill>
+                <a:effectLst/>
+                <a:latin typeface="Arial" panose="020B0604020202020204" pitchFamily="34" charset="0"/>
+              </a:rPr>
+              <a:t>Mazurczyk</a:t>
+            </a:r>
+            <a:r>
+              <a:rPr lang="en-US" b="0" i="0" dirty="0">
+                <a:solidFill>
+                  <a:srgbClr val="222222"/>
+                </a:solidFill>
+                <a:effectLst/>
+                <a:latin typeface="Arial" panose="020B0604020202020204" pitchFamily="34" charset="0"/>
+              </a:rPr>
+              <a:t>: </a:t>
+            </a:r>
+            <a:r>
+              <a:rPr lang="en-US" b="0" i="1" dirty="0">
+                <a:solidFill>
+                  <a:srgbClr val="222222"/>
+                </a:solidFill>
+                <a:effectLst/>
+                <a:latin typeface="Arial" panose="020B0604020202020204" pitchFamily="34" charset="0"/>
+              </a:rPr>
+              <a:t>Comprehensive Analysis of MQTT 5.0 Susceptibility to Network Covert Channels</a:t>
+            </a:r>
+            <a:r>
+              <a:rPr lang="en-US" b="0" i="0" dirty="0">
+                <a:solidFill>
+                  <a:srgbClr val="222222"/>
+                </a:solidFill>
+                <a:effectLst/>
+                <a:latin typeface="Arial" panose="020B0604020202020204" pitchFamily="34" charset="0"/>
+              </a:rPr>
+              <a:t>, Computers &amp; Security, Elsevier, 2021. </a:t>
+            </a:r>
+          </a:p>
+          <a:p>
+            <a:pPr algn="l"/>
+            <a:r>
+              <a:rPr lang="en-US" b="0" i="0" dirty="0">
+                <a:solidFill>
+                  <a:srgbClr val="222222"/>
+                </a:solidFill>
+                <a:effectLst/>
+                <a:latin typeface="Arial" panose="020B0604020202020204" pitchFamily="34" charset="0"/>
+              </a:rPr>
+              <a:t>[6] L. Hartmann, S. </a:t>
+            </a:r>
+            <a:r>
+              <a:rPr lang="en-US" b="0" i="0" dirty="0" err="1">
+                <a:solidFill>
+                  <a:srgbClr val="222222"/>
+                </a:solidFill>
+                <a:effectLst/>
+                <a:latin typeface="Arial" panose="020B0604020202020204" pitchFamily="34" charset="0"/>
+              </a:rPr>
+              <a:t>Zillien</a:t>
+            </a:r>
+            <a:r>
+              <a:rPr lang="en-US" b="0" i="0" dirty="0">
+                <a:solidFill>
+                  <a:srgbClr val="222222"/>
+                </a:solidFill>
+                <a:effectLst/>
+                <a:latin typeface="Arial" panose="020B0604020202020204" pitchFamily="34" charset="0"/>
+              </a:rPr>
+              <a:t>, S. </a:t>
+            </a:r>
+            <a:r>
+              <a:rPr lang="en-US" b="0" i="0" dirty="0" err="1">
+                <a:solidFill>
+                  <a:srgbClr val="222222"/>
+                </a:solidFill>
+                <a:effectLst/>
+                <a:latin typeface="Arial" panose="020B0604020202020204" pitchFamily="34" charset="0"/>
+              </a:rPr>
+              <a:t>Wendzel</a:t>
+            </a:r>
+            <a:r>
+              <a:rPr lang="en-US" b="0" i="0" dirty="0">
+                <a:solidFill>
+                  <a:srgbClr val="222222"/>
+                </a:solidFill>
+                <a:effectLst/>
+                <a:latin typeface="Arial" panose="020B0604020202020204" pitchFamily="34" charset="0"/>
+              </a:rPr>
+              <a:t>: </a:t>
+            </a:r>
+            <a:r>
+              <a:rPr lang="en-US" b="0" i="1" dirty="0">
+                <a:solidFill>
+                  <a:srgbClr val="222222"/>
+                </a:solidFill>
+                <a:effectLst/>
+                <a:latin typeface="Arial" panose="020B0604020202020204" pitchFamily="34" charset="0"/>
+              </a:rPr>
+              <a:t>Reset- and Reconnection-based Covert Channels in CoAP</a:t>
+            </a:r>
+            <a:r>
+              <a:rPr lang="en-US" b="0" i="0" dirty="0">
+                <a:solidFill>
+                  <a:srgbClr val="222222"/>
+                </a:solidFill>
+                <a:effectLst/>
+                <a:latin typeface="Arial" panose="020B0604020202020204" pitchFamily="34" charset="0"/>
+              </a:rPr>
+              <a:t>. In: Proc. European Interdisciplinary Cybersecurity Conference (EICC), 2021.</a:t>
+            </a:r>
+          </a:p>
+          <a:p>
+            <a:endParaRPr lang="en-US" dirty="0"/>
+          </a:p>
+        </p:txBody>
+      </p:sp>
+    </p:spTree>
+    <p:extLst>
+      <p:ext uri="{BB962C8B-B14F-4D97-AF65-F5344CB8AC3E}">
+        <p14:creationId xmlns:p14="http://schemas.microsoft.com/office/powerpoint/2010/main" val="2652681500"/>
       </p:ext>
     </p:extLst>
   </p:cSld>
@@ -2378,7 +3434,7 @@
           <a:p>
             <a:r>
               <a:rPr lang="en-US" dirty="0"/>
-              <a:t>13 JUL 2021</a:t>
+              <a:t>19 JUL 2022</a:t>
             </a:r>
           </a:p>
         </p:txBody>
@@ -2506,6 +3562,224 @@
           <p:cNvPr id="2" name="Text Placeholder 1">
             <a:extLst>
               <a:ext uri="{FF2B5EF4-FFF2-40B4-BE49-F238E27FC236}">
+                <a16:creationId xmlns:a16="http://schemas.microsoft.com/office/drawing/2014/main" id="{CC22F02C-42A0-43D8-8977-0CABAD923E88}"/>
+              </a:ext>
+            </a:extLst>
+          </p:cNvPr>
+          <p:cNvSpPr>
+            <a:spLocks noGrp="1"/>
+          </p:cNvSpPr>
+          <p:nvPr>
+            <p:ph type="body" sz="quarter" idx="10"/>
+          </p:nvPr>
+        </p:nvSpPr>
+        <p:spPr/>
+        <p:txBody>
+          <a:bodyPr/>
+          <a:lstStyle/>
+          <a:p>
+            <a:r>
+              <a:rPr lang="en-US" sz="2000" dirty="0"/>
+              <a:t>Dr J video: https://drive.google.com/file/d/16HpL1qxRjlv6YxaC59_Jb3yMlKtvaJni/view?fbclid=IwAR2PlPvzaUYx6Dvmn2X0-ro398YgznFL4QzrdKxUlN7lBlHzx9LdZAWsVys</a:t>
+            </a:r>
+          </a:p>
+          <a:p>
+            <a:r>
+              <a:rPr lang="en-US" sz="2000" dirty="0"/>
+              <a:t>Recommend watching the entire video</a:t>
+            </a:r>
+          </a:p>
+          <a:p>
+            <a:r>
+              <a:rPr lang="en-US" sz="2000" dirty="0"/>
+              <a:t>7:35 for Hume’s Induction Problem</a:t>
+            </a:r>
+          </a:p>
+          <a:p>
+            <a:r>
+              <a:rPr lang="en-US" sz="2000" dirty="0"/>
+              <a:t>47:28 for why AI/ML wont save us (ends at 50:30)</a:t>
+            </a:r>
+          </a:p>
+          <a:p>
+            <a:endParaRPr lang="en-US" dirty="0"/>
+          </a:p>
+        </p:txBody>
+      </p:sp>
+      <p:sp>
+        <p:nvSpPr>
+          <p:cNvPr id="3" name="Text Placeholder 2">
+            <a:extLst>
+              <a:ext uri="{FF2B5EF4-FFF2-40B4-BE49-F238E27FC236}">
+                <a16:creationId xmlns:a16="http://schemas.microsoft.com/office/drawing/2014/main" id="{C400EA97-4F9F-4269-986F-208E087714BC}"/>
+              </a:ext>
+            </a:extLst>
+          </p:cNvPr>
+          <p:cNvSpPr>
+            <a:spLocks noGrp="1"/>
+          </p:cNvSpPr>
+          <p:nvPr>
+            <p:ph type="body" sz="quarter" idx="11"/>
+          </p:nvPr>
+        </p:nvSpPr>
+        <p:spPr/>
+        <p:txBody>
+          <a:bodyPr/>
+          <a:lstStyle/>
+          <a:p>
+            <a:r>
+              <a:rPr lang="en-US" dirty="0"/>
+              <a:t>Detection</a:t>
+            </a:r>
+          </a:p>
+        </p:txBody>
+      </p:sp>
+    </p:spTree>
+    <p:extLst>
+      <p:ext uri="{BB962C8B-B14F-4D97-AF65-F5344CB8AC3E}">
+        <p14:creationId xmlns:p14="http://schemas.microsoft.com/office/powerpoint/2010/main" val="672170101"/>
+      </p:ext>
+    </p:extLst>
+  </p:cSld>
+  <p:clrMapOvr>
+    <a:masterClrMapping/>
+  </p:clrMapOvr>
+</p:sld>
+</file>
+
+<file path=ppt/slides/slide11.xml><?xml version="1.0" encoding="utf-8"?>
+<p:sld xmlns:a="http://schemas.openxmlformats.org/drawingml/2006/main" xmlns:r="http://schemas.openxmlformats.org/officeDocument/2006/relationships" xmlns:p="http://schemas.openxmlformats.org/presentationml/2006/main">
+  <p:cSld>
+    <p:spTree>
+      <p:nvGrpSpPr>
+        <p:cNvPr id="1" name=""/>
+        <p:cNvGrpSpPr/>
+        <p:nvPr/>
+      </p:nvGrpSpPr>
+      <p:grpSpPr>
+        <a:xfrm>
+          <a:off x="0" y="0"/>
+          <a:ext cx="0" cy="0"/>
+          <a:chOff x="0" y="0"/>
+          <a:chExt cx="0" cy="0"/>
+        </a:xfrm>
+      </p:grpSpPr>
+      <p:sp>
+        <p:nvSpPr>
+          <p:cNvPr id="2" name="Text Placeholder 1">
+            <a:extLst>
+              <a:ext uri="{FF2B5EF4-FFF2-40B4-BE49-F238E27FC236}">
+                <a16:creationId xmlns:a16="http://schemas.microsoft.com/office/drawing/2014/main" id="{8B3A910C-462E-4942-99FB-5F4D4D9AB81D}"/>
+              </a:ext>
+            </a:extLst>
+          </p:cNvPr>
+          <p:cNvSpPr>
+            <a:spLocks noGrp="1"/>
+          </p:cNvSpPr>
+          <p:nvPr>
+            <p:ph type="body" sz="quarter" idx="10"/>
+          </p:nvPr>
+        </p:nvSpPr>
+        <p:spPr/>
+        <p:txBody>
+          <a:bodyPr/>
+          <a:lstStyle/>
+          <a:p>
+            <a:r>
+              <a:rPr lang="en-US" sz="2000" dirty="0">
+                <a:sym typeface="Wingdings" panose="05000000000000000000" pitchFamily="2" charset="2"/>
+              </a:rPr>
+              <a:t>Malleable C2 Profile</a:t>
+            </a:r>
+          </a:p>
+          <a:p>
+            <a:r>
+              <a:rPr lang="en-US" sz="2000" dirty="0"/>
+              <a:t>https://www.cobaltstrike.com/help-malleable-c2</a:t>
+            </a:r>
+          </a:p>
+          <a:p>
+            <a:r>
+              <a:rPr lang="en-US" sz="2000" dirty="0"/>
+              <a:t>See help page for pictures</a:t>
+            </a:r>
+          </a:p>
+          <a:p>
+            <a:r>
+              <a:rPr lang="en-US" sz="2000" dirty="0">
+                <a:sym typeface="Wingdings" panose="05000000000000000000" pitchFamily="2" charset="2"/>
+              </a:rPr>
+              <a:t>Specifies how to transform data and store it in a transaction</a:t>
+            </a:r>
+          </a:p>
+          <a:p>
+            <a:endParaRPr lang="en-US" dirty="0"/>
+          </a:p>
+        </p:txBody>
+      </p:sp>
+      <p:sp>
+        <p:nvSpPr>
+          <p:cNvPr id="3" name="Text Placeholder 2">
+            <a:extLst>
+              <a:ext uri="{FF2B5EF4-FFF2-40B4-BE49-F238E27FC236}">
+                <a16:creationId xmlns:a16="http://schemas.microsoft.com/office/drawing/2014/main" id="{E98D1428-A35E-4A01-8A32-6559B805C07E}"/>
+              </a:ext>
+            </a:extLst>
+          </p:cNvPr>
+          <p:cNvSpPr>
+            <a:spLocks noGrp="1"/>
+          </p:cNvSpPr>
+          <p:nvPr>
+            <p:ph type="body" sz="quarter" idx="11"/>
+          </p:nvPr>
+        </p:nvSpPr>
+        <p:spPr/>
+        <p:txBody>
+          <a:bodyPr/>
+          <a:lstStyle/>
+          <a:p>
+            <a:r>
+              <a:rPr lang="en-US" dirty="0"/>
+              <a:t>Cobalt Strike Integration</a:t>
+            </a:r>
+          </a:p>
+        </p:txBody>
+      </p:sp>
+    </p:spTree>
+    <p:extLst>
+      <p:ext uri="{BB962C8B-B14F-4D97-AF65-F5344CB8AC3E}">
+        <p14:creationId xmlns:p14="http://schemas.microsoft.com/office/powerpoint/2010/main" val="2272730764"/>
+      </p:ext>
+    </p:extLst>
+  </p:cSld>
+  <p:clrMapOvr>
+    <a:masterClrMapping/>
+  </p:clrMapOvr>
+</p:sld>
+</file>
+
+<file path=ppt/slides/slide12.xml><?xml version="1.0" encoding="utf-8"?>
+<p:sld xmlns:a="http://schemas.openxmlformats.org/drawingml/2006/main" xmlns:r="http://schemas.openxmlformats.org/officeDocument/2006/relationships" xmlns:p="http://schemas.openxmlformats.org/presentationml/2006/main">
+  <p:cSld>
+    <p:spTree>
+      <p:nvGrpSpPr>
+        <p:cNvPr id="1" name=""/>
+        <p:cNvGrpSpPr/>
+        <p:nvPr/>
+      </p:nvGrpSpPr>
+      <p:grpSpPr>
+        <a:xfrm>
+          <a:off x="0" y="0"/>
+          <a:ext cx="0" cy="0"/>
+          <a:chOff x="0" y="0"/>
+          <a:chExt cx="0" cy="0"/>
+        </a:xfrm>
+      </p:grpSpPr>
+      <p:sp>
+        <p:nvSpPr>
+          <p:cNvPr id="2" name="Text Placeholder 1">
+            <a:extLst>
+              <a:ext uri="{FF2B5EF4-FFF2-40B4-BE49-F238E27FC236}">
                 <a16:creationId xmlns:a16="http://schemas.microsoft.com/office/drawing/2014/main" id="{62E6546B-F87E-4D3F-B113-E7FB14FF8891}"/>
               </a:ext>
             </a:extLst>
@@ -2611,7 +3885,7 @@
 </p:sld>
 </file>
 
-<file path=ppt/slides/slide11.xml><?xml version="1.0" encoding="utf-8"?>
+<file path=ppt/slides/slide13.xml><?xml version="1.0" encoding="utf-8"?>
 <p:sld xmlns:a="http://schemas.openxmlformats.org/drawingml/2006/main" xmlns:r="http://schemas.openxmlformats.org/officeDocument/2006/relationships" xmlns:p="http://schemas.openxmlformats.org/presentationml/2006/main">
   <p:cSld>
     <p:spTree>
@@ -2733,7 +4007,7 @@
 </p:sld>
 </file>
 
-<file path=ppt/slides/slide12.xml><?xml version="1.0" encoding="utf-8"?>
+<file path=ppt/slides/slide14.xml><?xml version="1.0" encoding="utf-8"?>
 <p:sld xmlns:a="http://schemas.openxmlformats.org/drawingml/2006/main" xmlns:r="http://schemas.openxmlformats.org/officeDocument/2006/relationships" xmlns:p="http://schemas.openxmlformats.org/presentationml/2006/main">
   <p:cSld>
     <p:spTree>
@@ -2839,7 +4113,7 @@
 </p:sld>
 </file>
 
-<file path=ppt/slides/slide13.xml><?xml version="1.0" encoding="utf-8"?>
+<file path=ppt/slides/slide15.xml><?xml version="1.0" encoding="utf-8"?>
 <p:sld xmlns:a="http://schemas.openxmlformats.org/drawingml/2006/main" xmlns:r="http://schemas.openxmlformats.org/officeDocument/2006/relationships" xmlns:p="http://schemas.openxmlformats.org/presentationml/2006/main">
   <p:cSld>
     <p:spTree>
@@ -2952,7 +4226,7 @@
 </p:sld>
 </file>
 
-<file path=ppt/slides/slide14.xml><?xml version="1.0" encoding="utf-8"?>
+<file path=ppt/slides/slide16.xml><?xml version="1.0" encoding="utf-8"?>
 <p:sld xmlns:a="http://schemas.openxmlformats.org/drawingml/2006/main" xmlns:r="http://schemas.openxmlformats.org/officeDocument/2006/relationships" xmlns:p="http://schemas.openxmlformats.org/presentationml/2006/main">
   <p:cSld>
     <p:spTree>
@@ -3114,7 +4388,7 @@
 </p:sld>
 </file>
 
-<file path=ppt/slides/slide15.xml><?xml version="1.0" encoding="utf-8"?>
+<file path=ppt/slides/slide17.xml><?xml version="1.0" encoding="utf-8"?>
 <p:sld xmlns:a="http://schemas.openxmlformats.org/drawingml/2006/main" xmlns:r="http://schemas.openxmlformats.org/officeDocument/2006/relationships" xmlns:p="http://schemas.openxmlformats.org/presentationml/2006/main">
   <p:cSld>
     <p:spTree>
@@ -3251,7 +4525,7 @@
 </p:sld>
 </file>
 
-<file path=ppt/slides/slide16.xml><?xml version="1.0" encoding="utf-8"?>
+<file path=ppt/slides/slide18.xml><?xml version="1.0" encoding="utf-8"?>
 <p:sld xmlns:a="http://schemas.openxmlformats.org/drawingml/2006/main" xmlns:r="http://schemas.openxmlformats.org/officeDocument/2006/relationships" xmlns:p="http://schemas.openxmlformats.org/presentationml/2006/main">
   <p:cSld>
     <p:spTree>
@@ -3394,7 +4668,7 @@
 </p:sld>
 </file>
 
-<file path=ppt/slides/slide17.xml><?xml version="1.0" encoding="utf-8"?>
+<file path=ppt/slides/slide19.xml><?xml version="1.0" encoding="utf-8"?>
 <p:sld xmlns:a="http://schemas.openxmlformats.org/drawingml/2006/main" xmlns:r="http://schemas.openxmlformats.org/officeDocument/2006/relationships" xmlns:p="http://schemas.openxmlformats.org/presentationml/2006/main">
   <p:cSld>
     <p:spTree>
@@ -3516,135 +4790,6 @@
     <p:extLst>
       <p:ext uri="{BB962C8B-B14F-4D97-AF65-F5344CB8AC3E}">
         <p14:creationId xmlns:p14="http://schemas.microsoft.com/office/powerpoint/2010/main" val="1674130045"/>
-      </p:ext>
-    </p:extLst>
-  </p:cSld>
-  <p:clrMapOvr>
-    <a:masterClrMapping/>
-  </p:clrMapOvr>
-</p:sld>
-</file>
-
-<file path=ppt/slides/slide18.xml><?xml version="1.0" encoding="utf-8"?>
-<p:sld xmlns:a="http://schemas.openxmlformats.org/drawingml/2006/main" xmlns:r="http://schemas.openxmlformats.org/officeDocument/2006/relationships" xmlns:p="http://schemas.openxmlformats.org/presentationml/2006/main">
-  <p:cSld>
-    <p:spTree>
-      <p:nvGrpSpPr>
-        <p:cNvPr id="1" name=""/>
-        <p:cNvGrpSpPr/>
-        <p:nvPr/>
-      </p:nvGrpSpPr>
-      <p:grpSpPr>
-        <a:xfrm>
-          <a:off x="0" y="0"/>
-          <a:ext cx="0" cy="0"/>
-          <a:chOff x="0" y="0"/>
-          <a:chExt cx="0" cy="0"/>
-        </a:xfrm>
-      </p:grpSpPr>
-      <p:sp>
-        <p:nvSpPr>
-          <p:cNvPr id="2" name="Text Placeholder 1">
-            <a:extLst>
-              <a:ext uri="{FF2B5EF4-FFF2-40B4-BE49-F238E27FC236}">
-                <a16:creationId xmlns:a16="http://schemas.microsoft.com/office/drawing/2014/main" id="{AEEB19C4-AEA2-47E1-911F-D0FB5C98B4CE}"/>
-              </a:ext>
-            </a:extLst>
-          </p:cNvPr>
-          <p:cNvSpPr>
-            <a:spLocks noGrp="1"/>
-          </p:cNvSpPr>
-          <p:nvPr>
-            <p:ph type="body" sz="quarter" idx="10"/>
-          </p:nvPr>
-        </p:nvSpPr>
-        <p:spPr/>
-        <p:txBody>
-          <a:bodyPr/>
-          <a:lstStyle/>
-          <a:p>
-            <a:r>
-              <a:rPr lang="en-US" sz="2800" dirty="0"/>
-              <a:t>Covert Channel SANS White Paper [Couture 2010]</a:t>
-            </a:r>
-          </a:p>
-          <a:p>
-            <a:pPr lvl="1"/>
-            <a:r>
-              <a:rPr lang="en-US" sz="2400" dirty="0"/>
-              <a:t>https://www.sans.org/reading-room/whitepapers/detection/covert-channels-33413</a:t>
-            </a:r>
-          </a:p>
-          <a:p>
-            <a:r>
-              <a:rPr lang="en-US" sz="2800" dirty="0"/>
-              <a:t>Pattern-based Survey and Categorization of Network Covert Channels [</a:t>
-            </a:r>
-            <a:r>
-              <a:rPr lang="en-US" sz="2800" dirty="0" err="1"/>
-              <a:t>Wendzel</a:t>
-            </a:r>
-            <a:r>
-              <a:rPr lang="en-US" sz="2800" dirty="0"/>
-              <a:t> 2014]</a:t>
-            </a:r>
-          </a:p>
-          <a:p>
-            <a:pPr lvl="1"/>
-            <a:r>
-              <a:rPr lang="en-US" dirty="0"/>
-              <a:t>https://arxiv.org/pdf/1406.2901.pdf</a:t>
-            </a:r>
-          </a:p>
-          <a:p>
-            <a:r>
-              <a:rPr lang="en-US" sz="2800" dirty="0"/>
-              <a:t>Google</a:t>
-            </a:r>
-          </a:p>
-          <a:p>
-            <a:r>
-              <a:rPr lang="en-US" sz="2800" dirty="0"/>
-              <a:t>Creativecommons.org/licenses</a:t>
-            </a:r>
-          </a:p>
-          <a:p>
-            <a:endParaRPr lang="en-US" dirty="0"/>
-          </a:p>
-        </p:txBody>
-      </p:sp>
-      <p:sp>
-        <p:nvSpPr>
-          <p:cNvPr id="3" name="Text Placeholder 2">
-            <a:extLst>
-              <a:ext uri="{FF2B5EF4-FFF2-40B4-BE49-F238E27FC236}">
-                <a16:creationId xmlns:a16="http://schemas.microsoft.com/office/drawing/2014/main" id="{1EB170BA-0C8A-4F98-9BE0-874FC271C03E}"/>
-              </a:ext>
-            </a:extLst>
-          </p:cNvPr>
-          <p:cNvSpPr>
-            <a:spLocks noGrp="1"/>
-          </p:cNvSpPr>
-          <p:nvPr>
-            <p:ph type="body" sz="quarter" idx="11"/>
-          </p:nvPr>
-        </p:nvSpPr>
-        <p:spPr/>
-        <p:txBody>
-          <a:bodyPr/>
-          <a:lstStyle/>
-          <a:p>
-            <a:r>
-              <a:rPr lang="en-US" dirty="0"/>
-              <a:t>Main References</a:t>
-            </a:r>
-          </a:p>
-        </p:txBody>
-      </p:sp>
-    </p:spTree>
-    <p:extLst>
-      <p:ext uri="{BB962C8B-B14F-4D97-AF65-F5344CB8AC3E}">
-        <p14:creationId xmlns:p14="http://schemas.microsoft.com/office/powerpoint/2010/main" val="2030381202"/>
       </p:ext>
     </p:extLst>
   </p:cSld>
@@ -3782,6 +4927,163 @@
     <p:extLst>
       <p:ext uri="{BB962C8B-B14F-4D97-AF65-F5344CB8AC3E}">
         <p14:creationId xmlns:p14="http://schemas.microsoft.com/office/powerpoint/2010/main" val="1436979386"/>
+      </p:ext>
+    </p:extLst>
+  </p:cSld>
+  <p:clrMapOvr>
+    <a:masterClrMapping/>
+  </p:clrMapOvr>
+</p:sld>
+</file>
+
+<file path=ppt/slides/slide20.xml><?xml version="1.0" encoding="utf-8"?>
+<p:sld xmlns:a="http://schemas.openxmlformats.org/drawingml/2006/main" xmlns:r="http://schemas.openxmlformats.org/officeDocument/2006/relationships" xmlns:p="http://schemas.openxmlformats.org/presentationml/2006/main">
+  <p:cSld>
+    <p:spTree>
+      <p:nvGrpSpPr>
+        <p:cNvPr id="1" name=""/>
+        <p:cNvGrpSpPr/>
+        <p:nvPr/>
+      </p:nvGrpSpPr>
+      <p:grpSpPr>
+        <a:xfrm>
+          <a:off x="0" y="0"/>
+          <a:ext cx="0" cy="0"/>
+          <a:chOff x="0" y="0"/>
+          <a:chExt cx="0" cy="0"/>
+        </a:xfrm>
+      </p:grpSpPr>
+      <p:sp>
+        <p:nvSpPr>
+          <p:cNvPr id="2" name="Text Placeholder 1">
+            <a:extLst>
+              <a:ext uri="{FF2B5EF4-FFF2-40B4-BE49-F238E27FC236}">
+                <a16:creationId xmlns:a16="http://schemas.microsoft.com/office/drawing/2014/main" id="{614199C1-38DD-4391-BF13-2C9608AD3148}"/>
+              </a:ext>
+            </a:extLst>
+          </p:cNvPr>
+          <p:cNvSpPr>
+            <a:spLocks noGrp="1"/>
+          </p:cNvSpPr>
+          <p:nvPr>
+            <p:ph type="body" sz="quarter" idx="10"/>
+          </p:nvPr>
+        </p:nvSpPr>
+        <p:spPr/>
+        <p:txBody>
+          <a:bodyPr/>
+          <a:lstStyle/>
+          <a:p>
+            <a:r>
+              <a:rPr lang="en-US" sz="2800" dirty="0"/>
+              <a:t>Covert Channel SANS White Paper [Couture 2010]</a:t>
+            </a:r>
+          </a:p>
+          <a:p>
+            <a:pPr lvl="1"/>
+            <a:r>
+              <a:rPr lang="en-US" sz="2400" dirty="0"/>
+              <a:t>https://www.sans.org/reading-room/whitepapers/detection/covert-channels-33413</a:t>
+            </a:r>
+          </a:p>
+          <a:p>
+            <a:r>
+              <a:rPr lang="en-US" sz="2800" dirty="0"/>
+              <a:t>Pattern-based Survey and Categorization of Network Covert Channels [</a:t>
+            </a:r>
+            <a:r>
+              <a:rPr lang="en-US" sz="2800" dirty="0" err="1"/>
+              <a:t>Wendzel</a:t>
+            </a:r>
+            <a:r>
+              <a:rPr lang="en-US" sz="2800" dirty="0"/>
+              <a:t> 2015]</a:t>
+            </a:r>
+          </a:p>
+          <a:p>
+            <a:pPr lvl="1"/>
+            <a:r>
+              <a:rPr lang="en-US" dirty="0">
+                <a:hlinkClick r:id="rId3"/>
+              </a:rPr>
+              <a:t>https://arxiv.org/pdf/1406.2901.pdf</a:t>
+            </a:r>
+            <a:endParaRPr lang="en-US" dirty="0"/>
+          </a:p>
+          <a:p>
+            <a:pPr lvl="1"/>
+            <a:r>
+              <a:rPr lang="en-US" dirty="0"/>
+              <a:t>Updated here: https://ih-patterns.blogspot.com/p/test.html</a:t>
+            </a:r>
+          </a:p>
+          <a:p>
+            <a:r>
+              <a:rPr lang="en-US" sz="2800" dirty="0"/>
+              <a:t>Work by </a:t>
+            </a:r>
+            <a:r>
+              <a:rPr lang="en-US" sz="2800" dirty="0" err="1"/>
+              <a:t>Wendzel</a:t>
+            </a:r>
+            <a:endParaRPr lang="en-US" sz="2800" dirty="0"/>
+          </a:p>
+          <a:p>
+            <a:pPr lvl="1"/>
+            <a:r>
+              <a:rPr lang="en-US" dirty="0"/>
+              <a:t>https://www.wendzel.de/</a:t>
+            </a:r>
+          </a:p>
+          <a:p>
+            <a:r>
+              <a:rPr lang="en-US" sz="2800" dirty="0"/>
+              <a:t>Google</a:t>
+            </a:r>
+          </a:p>
+          <a:p>
+            <a:r>
+              <a:rPr lang="en-US" sz="2800" dirty="0"/>
+              <a:t>Creativecommons.org/licenses</a:t>
+            </a:r>
+          </a:p>
+          <a:p>
+            <a:endParaRPr lang="en-US" dirty="0"/>
+          </a:p>
+        </p:txBody>
+      </p:sp>
+      <p:sp>
+        <p:nvSpPr>
+          <p:cNvPr id="3" name="Text Placeholder 2">
+            <a:extLst>
+              <a:ext uri="{FF2B5EF4-FFF2-40B4-BE49-F238E27FC236}">
+                <a16:creationId xmlns:a16="http://schemas.microsoft.com/office/drawing/2014/main" id="{5C8C057F-96AC-4921-8A79-BB4C4AF63434}"/>
+              </a:ext>
+            </a:extLst>
+          </p:cNvPr>
+          <p:cNvSpPr>
+            <a:spLocks noGrp="1"/>
+          </p:cNvSpPr>
+          <p:nvPr>
+            <p:ph type="body" sz="quarter" idx="11"/>
+          </p:nvPr>
+        </p:nvSpPr>
+        <p:spPr/>
+        <p:txBody>
+          <a:bodyPr/>
+          <a:lstStyle/>
+          <a:p>
+            <a:r>
+              <a:rPr lang="en-US" dirty="0"/>
+              <a:t>Main References</a:t>
+            </a:r>
+          </a:p>
+        </p:txBody>
+      </p:sp>
+    </p:spTree>
+    <p:extLst>
+      <p:ext uri="{BB962C8B-B14F-4D97-AF65-F5344CB8AC3E}">
+        <p14:creationId xmlns:p14="http://schemas.microsoft.com/office/powerpoint/2010/main" val="2500948470"/>
       </p:ext>
     </p:extLst>
   </p:cSld>
@@ -4564,7 +5866,7 @@
           <p:cNvPr id="2" name="Text Placeholder 1">
             <a:extLst>
               <a:ext uri="{FF2B5EF4-FFF2-40B4-BE49-F238E27FC236}">
-                <a16:creationId xmlns:a16="http://schemas.microsoft.com/office/drawing/2014/main" id="{8B3A910C-462E-4942-99FB-5F4D4D9AB81D}"/>
+                <a16:creationId xmlns:a16="http://schemas.microsoft.com/office/drawing/2014/main" id="{CC22F02C-42A0-43D8-8977-0CABAD923E88}"/>
               </a:ext>
             </a:extLst>
           </p:cNvPr>
@@ -4581,30 +5883,82 @@
           <a:lstStyle/>
           <a:p>
             <a:r>
-              <a:rPr lang="en-US" sz="2000" dirty="0">
-                <a:sym typeface="Wingdings" panose="05000000000000000000" pitchFamily="2" charset="2"/>
-              </a:rPr>
-              <a:t>Malleable C2 Profile</a:t>
-            </a:r>
-          </a:p>
-          <a:p>
-            <a:r>
-              <a:rPr lang="en-US" sz="2000" dirty="0"/>
-              <a:t>https://www.cobaltstrike.com/help-malleable-c2</a:t>
-            </a:r>
-          </a:p>
-          <a:p>
-            <a:r>
-              <a:rPr lang="en-US" sz="2000" dirty="0"/>
-              <a:t>See help page for pictures</a:t>
-            </a:r>
-          </a:p>
-          <a:p>
-            <a:r>
-              <a:rPr lang="en-US" sz="2000" dirty="0">
-                <a:sym typeface="Wingdings" panose="05000000000000000000" pitchFamily="2" charset="2"/>
-              </a:rPr>
-              <a:t>Specifies how to transform data and store it in a transaction</a:t>
+              <a:rPr lang="en-US" sz="2400" dirty="0"/>
+              <a:t>Detect vs Limit vs Eliminate</a:t>
+            </a:r>
+          </a:p>
+          <a:p>
+            <a:r>
+              <a:rPr lang="en-US" sz="2400" dirty="0"/>
+              <a:t>Machine Learning? (ML)</a:t>
+            </a:r>
+          </a:p>
+          <a:p>
+            <a:pPr lvl="1"/>
+            <a:r>
+              <a:rPr lang="en-US" sz="1800" dirty="0"/>
+              <a:t>Support Vector Machines</a:t>
+            </a:r>
+          </a:p>
+          <a:p>
+            <a:pPr lvl="1"/>
+            <a:r>
+              <a:rPr lang="en-US" sz="1800" dirty="0"/>
+              <a:t>Neural Networks</a:t>
+            </a:r>
+          </a:p>
+          <a:p>
+            <a:pPr lvl="1"/>
+            <a:r>
+              <a:rPr lang="en-US" sz="1800" dirty="0"/>
+              <a:t>C4.5 Decision Trees</a:t>
+            </a:r>
+          </a:p>
+          <a:p>
+            <a:r>
+              <a:rPr lang="en-US" sz="2400" dirty="0"/>
+              <a:t>Traffic Normalization (TN)</a:t>
+            </a:r>
+          </a:p>
+          <a:p>
+            <a:pPr lvl="1"/>
+            <a:r>
+              <a:rPr lang="en-US" sz="1800" dirty="0"/>
+              <a:t>Replace Unused/Fixed/Derivate</a:t>
+            </a:r>
+          </a:p>
+          <a:p>
+            <a:r>
+              <a:rPr lang="en-US" sz="2400" dirty="0"/>
+              <a:t>Statistical Approaches (SA)</a:t>
+            </a:r>
+          </a:p>
+          <a:p>
+            <a:r>
+              <a:rPr lang="en-US" sz="2400" dirty="0"/>
+              <a:t>Anomaly Detection Tools</a:t>
+            </a:r>
+          </a:p>
+          <a:p>
+            <a:pPr lvl="1"/>
+            <a:r>
+              <a:rPr lang="en-US" sz="1800" dirty="0"/>
+              <a:t>Web Tap [Borders 2004]</a:t>
+            </a:r>
+          </a:p>
+          <a:p>
+            <a:pPr lvl="1"/>
+            <a:r>
+              <a:rPr lang="en-US" sz="1800" dirty="0"/>
+              <a:t>Tunnel Hunter [</a:t>
+            </a:r>
+            <a:r>
+              <a:rPr lang="en-US" sz="1800" dirty="0" err="1"/>
+              <a:t>Dusi</a:t>
+            </a:r>
+            <a:r>
+              <a:rPr lang="en-US" sz="1800" dirty="0"/>
+              <a:t> 2008]</a:t>
             </a:r>
           </a:p>
           <a:p>
@@ -4617,7 +5971,7 @@
           <p:cNvPr id="3" name="Text Placeholder 2">
             <a:extLst>
               <a:ext uri="{FF2B5EF4-FFF2-40B4-BE49-F238E27FC236}">
-                <a16:creationId xmlns:a16="http://schemas.microsoft.com/office/drawing/2014/main" id="{E98D1428-A35E-4A01-8A32-6559B805C07E}"/>
+                <a16:creationId xmlns:a16="http://schemas.microsoft.com/office/drawing/2014/main" id="{C400EA97-4F9F-4269-986F-208E087714BC}"/>
               </a:ext>
             </a:extLst>
           </p:cNvPr>
@@ -4635,7 +5989,81 @@
           <a:p>
             <a:r>
               <a:rPr lang="en-US" dirty="0"/>
-              <a:t>Cobalt Strike Integration</a:t>
+              <a:t>Detection</a:t>
+            </a:r>
+          </a:p>
+        </p:txBody>
+      </p:sp>
+      <p:pic>
+        <p:nvPicPr>
+          <p:cNvPr id="5" name="Picture 4">
+            <a:extLst>
+              <a:ext uri="{FF2B5EF4-FFF2-40B4-BE49-F238E27FC236}">
+                <a16:creationId xmlns:a16="http://schemas.microsoft.com/office/drawing/2014/main" id="{83B0C3E1-28F2-4B9B-9F9C-AC3A8F1828C7}"/>
+              </a:ext>
+            </a:extLst>
+          </p:cNvPr>
+          <p:cNvPicPr>
+            <a:picLocks noChangeAspect="1"/>
+          </p:cNvPicPr>
+          <p:nvPr/>
+        </p:nvPicPr>
+        <p:blipFill>
+          <a:blip r:embed="rId3"/>
+          <a:stretch>
+            <a:fillRect/>
+          </a:stretch>
+        </p:blipFill>
+        <p:spPr>
+          <a:xfrm>
+            <a:off x="4408391" y="1509712"/>
+            <a:ext cx="4735609" cy="3838576"/>
+          </a:xfrm>
+          <a:prstGeom prst="rect">
+            <a:avLst/>
+          </a:prstGeom>
+        </p:spPr>
+      </p:pic>
+      <p:sp>
+        <p:nvSpPr>
+          <p:cNvPr id="7" name="TextBox 6">
+            <a:extLst>
+              <a:ext uri="{FF2B5EF4-FFF2-40B4-BE49-F238E27FC236}">
+                <a16:creationId xmlns:a16="http://schemas.microsoft.com/office/drawing/2014/main" id="{E9A118EF-987A-49CA-9599-8E2AA8C40BD8}"/>
+              </a:ext>
+            </a:extLst>
+          </p:cNvPr>
+          <p:cNvSpPr txBox="1"/>
+          <p:nvPr/>
+        </p:nvSpPr>
+        <p:spPr>
+          <a:xfrm>
+            <a:off x="5823695" y="5625844"/>
+            <a:ext cx="1905000" cy="369332"/>
+          </a:xfrm>
+          <a:prstGeom prst="rect">
+            <a:avLst/>
+          </a:prstGeom>
+          <a:noFill/>
+        </p:spPr>
+        <p:txBody>
+          <a:bodyPr wrap="square" rtlCol="0">
+            <a:spAutoFit/>
+          </a:bodyPr>
+          <a:lstStyle/>
+          <a:p>
+            <a:pPr algn="ctr"/>
+            <a:r>
+              <a:rPr lang="en-US" dirty="0"/>
+              <a:t>[</a:t>
+            </a:r>
+            <a:r>
+              <a:rPr lang="en-US" dirty="0" err="1"/>
+              <a:t>Wendzel</a:t>
+            </a:r>
+            <a:r>
+              <a:rPr lang="en-US" dirty="0"/>
+              <a:t> 2015]</a:t>
             </a:r>
           </a:p>
         </p:txBody>
@@ -4643,7 +6071,7 @@
     </p:spTree>
     <p:extLst>
       <p:ext uri="{BB962C8B-B14F-4D97-AF65-F5344CB8AC3E}">
-        <p14:creationId xmlns:p14="http://schemas.microsoft.com/office/powerpoint/2010/main" val="2272730764"/>
+        <p14:creationId xmlns:p14="http://schemas.microsoft.com/office/powerpoint/2010/main" val="644018743"/>
       </p:ext>
     </p:extLst>
   </p:cSld>

--- a/Handout/Covert Channel Lecture Day 2.pptx
+++ b/Handout/Covert Channel Lecture Day 2.pptx
@@ -233,7 +233,7 @@
           <a:p>
             <a:fld id="{24DAFBA8-35F2-4C04-8149-4585D62DFC6D}" type="datetimeFigureOut">
               <a:rPr lang="en-US" smtClean="0"/>
-              <a:t>7/10/2022</a:t>
+              <a:t>7/15/2023</a:t>
             </a:fld>
             <a:endParaRPr lang="en-US"/>
           </a:p>
@@ -400,7 +400,7 @@
             <a:fld id="{2ECEE970-886D-4DEB-A78D-5219D8C79727}" type="datetimeFigureOut">
               <a:rPr lang="en-US" smtClean="0"/>
               <a:pPr/>
-              <a:t>7/10/2022</a:t>
+              <a:t>7/15/2023</a:t>
             </a:fld>
             <a:endParaRPr lang="en-US"/>
           </a:p>
@@ -3434,7 +3434,7 @@
           <a:p>
             <a:r>
               <a:rPr lang="en-US" dirty="0"/>
-              <a:t>19 JUL 2022</a:t>
+              <a:t>18 JUL 2023</a:t>
             </a:r>
           </a:p>
         </p:txBody>

--- a/Handout/Covert Channel Lecture Day 2.pptx
+++ b/Handout/Covert Channel Lecture Day 2.pptx
@@ -20,7 +20,7 @@
     <p:sldId id="456" r:id="rId8"/>
     <p:sldId id="457" r:id="rId9"/>
     <p:sldId id="552" r:id="rId10"/>
-    <p:sldId id="553" r:id="rId11"/>
+    <p:sldId id="570" r:id="rId11"/>
     <p:sldId id="458" r:id="rId12"/>
     <p:sldId id="459" r:id="rId13"/>
     <p:sldId id="460" r:id="rId14"/>
@@ -28,8 +28,8 @@
     <p:sldId id="462" r:id="rId16"/>
     <p:sldId id="463" r:id="rId17"/>
     <p:sldId id="464" r:id="rId18"/>
-    <p:sldId id="465" r:id="rId19"/>
-    <p:sldId id="466" r:id="rId20"/>
+    <p:sldId id="577" r:id="rId19"/>
+    <p:sldId id="465" r:id="rId20"/>
     <p:sldId id="569" r:id="rId21"/>
   </p:sldIdLst>
   <p:sldSz cx="9144000" cy="6858000" type="screen4x3"/>
@@ -233,7 +233,7 @@
           <a:p>
             <a:fld id="{24DAFBA8-35F2-4C04-8149-4585D62DFC6D}" type="datetimeFigureOut">
               <a:rPr lang="en-US" smtClean="0"/>
-              <a:t>7/15/2023</a:t>
+              <a:t>7/21/2024</a:t>
             </a:fld>
             <a:endParaRPr lang="en-US"/>
           </a:p>
@@ -400,7 +400,7 @@
             <a:fld id="{2ECEE970-886D-4DEB-A78D-5219D8C79727}" type="datetimeFigureOut">
               <a:rPr lang="en-US" smtClean="0"/>
               <a:pPr/>
-              <a:t>7/15/2023</a:t>
+              <a:t>7/21/2024</a:t>
             </a:fld>
             <a:endParaRPr lang="en-US"/>
           </a:p>
@@ -1169,6 +1169,90 @@
 </file>
 
 <file path=ppt/notesSlides/notesSlide5.xml><?xml version="1.0" encoding="utf-8"?>
+<p:notes xmlns:a="http://schemas.openxmlformats.org/drawingml/2006/main" xmlns:r="http://schemas.openxmlformats.org/officeDocument/2006/relationships" xmlns:p="http://schemas.openxmlformats.org/presentationml/2006/main">
+  <p:cSld>
+    <p:spTree>
+      <p:nvGrpSpPr>
+        <p:cNvPr id="1" name=""/>
+        <p:cNvGrpSpPr/>
+        <p:nvPr/>
+      </p:nvGrpSpPr>
+      <p:grpSpPr>
+        <a:xfrm>
+          <a:off x="0" y="0"/>
+          <a:ext cx="0" cy="0"/>
+          <a:chOff x="0" y="0"/>
+          <a:chExt cx="0" cy="0"/>
+        </a:xfrm>
+      </p:grpSpPr>
+      <p:sp>
+        <p:nvSpPr>
+          <p:cNvPr id="2" name="Slide Image Placeholder 1"/>
+          <p:cNvSpPr>
+            <a:spLocks noGrp="1" noRot="1" noChangeAspect="1"/>
+          </p:cNvSpPr>
+          <p:nvPr>
+            <p:ph type="sldImg"/>
+          </p:nvPr>
+        </p:nvSpPr>
+        <p:spPr/>
+      </p:sp>
+      <p:sp>
+        <p:nvSpPr>
+          <p:cNvPr id="3" name="Notes Placeholder 2"/>
+          <p:cNvSpPr>
+            <a:spLocks noGrp="1"/>
+          </p:cNvSpPr>
+          <p:nvPr>
+            <p:ph type="body" idx="1"/>
+          </p:nvPr>
+        </p:nvSpPr>
+        <p:spPr/>
+        <p:txBody>
+          <a:bodyPr/>
+          <a:lstStyle/>
+          <a:p>
+            <a:pPr marL="0" marR="0" lvl="0" indent="0" algn="l" defTabSz="914400" rtl="0" eaLnBrk="1" fontAlgn="auto" latinLnBrk="0" hangingPunct="1">
+              <a:lnSpc>
+                <a:spcPct val="100000"/>
+              </a:lnSpc>
+              <a:spcBef>
+                <a:spcPts val="0"/>
+              </a:spcBef>
+              <a:spcAft>
+                <a:spcPts val="0"/>
+              </a:spcAft>
+              <a:buClrTx/>
+              <a:buSzTx/>
+              <a:buFontTx/>
+              <a:buNone/>
+              <a:tabLst/>
+              <a:defRPr/>
+            </a:pPr>
+            <a:r>
+              <a:rPr lang="en-US" dirty="0"/>
+              <a:t>Get creative!!</a:t>
+            </a:r>
+          </a:p>
+          <a:p>
+            <a:endParaRPr lang="en-US" dirty="0"/>
+          </a:p>
+        </p:txBody>
+      </p:sp>
+    </p:spTree>
+    <p:extLst>
+      <p:ext uri="{BB962C8B-B14F-4D97-AF65-F5344CB8AC3E}">
+        <p14:creationId xmlns:p14="http://schemas.microsoft.com/office/powerpoint/2010/main" val="2158902148"/>
+      </p:ext>
+    </p:extLst>
+  </p:cSld>
+  <p:clrMapOvr>
+    <a:masterClrMapping/>
+  </p:clrMapOvr>
+</p:notes>
+</file>
+
+<file path=ppt/notesSlides/notesSlide6.xml><?xml version="1.0" encoding="utf-8"?>
 <p:notes xmlns:a="http://schemas.openxmlformats.org/drawingml/2006/main" xmlns:r="http://schemas.openxmlformats.org/officeDocument/2006/relationships" xmlns:p="http://schemas.openxmlformats.org/presentationml/2006/main">
   <p:cSld>
     <p:spTree>
@@ -3434,7 +3518,7 @@
           <a:p>
             <a:r>
               <a:rPr lang="en-US" dirty="0"/>
-              <a:t>18 JUL 2023</a:t>
+              <a:t>23 JUL 2024</a:t>
             </a:r>
           </a:p>
         </p:txBody>
@@ -3604,6 +3688,15 @@
           <a:p>
             <a:endParaRPr lang="en-US" dirty="0"/>
           </a:p>
+          <a:p>
+            <a:r>
+              <a:rPr lang="en-US" sz="2000" dirty="0"/>
+              <a:t>Has this changed with the rise of ChatGPT and other recent AI models?</a:t>
+            </a:r>
+          </a:p>
+          <a:p>
+            <a:endParaRPr lang="en-US" dirty="0"/>
+          </a:p>
         </p:txBody>
       </p:sp>
       <p:sp>
@@ -3637,7 +3730,7 @@
     </p:spTree>
     <p:extLst>
       <p:ext uri="{BB962C8B-B14F-4D97-AF65-F5344CB8AC3E}">
-        <p14:creationId xmlns:p14="http://schemas.microsoft.com/office/powerpoint/2010/main" val="672170101"/>
+        <p14:creationId xmlns:p14="http://schemas.microsoft.com/office/powerpoint/2010/main" val="2010274928"/>
       </p:ext>
     </p:extLst>
   </p:cSld>
@@ -4547,7 +4640,7 @@
           <p:cNvPr id="2" name="Text Placeholder 1">
             <a:extLst>
               <a:ext uri="{FF2B5EF4-FFF2-40B4-BE49-F238E27FC236}">
-                <a16:creationId xmlns:a16="http://schemas.microsoft.com/office/drawing/2014/main" id="{258AB261-9BBB-4BCA-BA4B-51127B8249C3}"/>
+                <a16:creationId xmlns:a16="http://schemas.microsoft.com/office/drawing/2014/main" id="{EB0F6949-42B2-4196-B747-3BDBC0BC1136}"/>
               </a:ext>
             </a:extLst>
           </p:cNvPr>
@@ -4555,59 +4648,64 @@
             <a:spLocks noGrp="1"/>
           </p:cNvSpPr>
           <p:nvPr>
-            <p:ph type="body" sz="quarter" idx="4294967295"/>
+            <p:ph type="body" sz="quarter" idx="10"/>
           </p:nvPr>
         </p:nvSpPr>
-        <p:spPr>
-          <a:xfrm>
-            <a:off x="0" y="1144588"/>
-            <a:ext cx="8686800" cy="5114925"/>
-          </a:xfrm>
-          <a:prstGeom prst="rect">
-            <a:avLst/>
-          </a:prstGeom>
-        </p:spPr>
+        <p:spPr/>
         <p:txBody>
-          <a:bodyPr anchor="ctr"/>
+          <a:bodyPr/>
           <a:lstStyle/>
           <a:p>
-            <a:pPr marL="203200" indent="0" algn="ctr">
-              <a:buNone/>
-            </a:pPr>
-            <a:r>
-              <a:rPr lang="en-US" sz="3000" dirty="0" err="1">
-                <a:solidFill>
-                  <a:schemeClr val="bg1"/>
-                </a:solidFill>
-                <a:latin typeface="Calibri" panose="020F0502020204030204" pitchFamily="34" charset="0"/>
-                <a:cs typeface="Calibri" panose="020F0502020204030204" pitchFamily="34" charset="0"/>
-              </a:rPr>
-              <a:t>Capt</a:t>
-            </a:r>
-            <a:r>
-              <a:rPr lang="en-US" sz="3000" dirty="0">
-                <a:solidFill>
-                  <a:schemeClr val="bg1"/>
-                </a:solidFill>
-                <a:latin typeface="Calibri" panose="020F0502020204030204" pitchFamily="34" charset="0"/>
-                <a:cs typeface="Calibri" panose="020F0502020204030204" pitchFamily="34" charset="0"/>
-              </a:rPr>
-              <a:t> Daniel Fitzgerald</a:t>
-            </a:r>
-          </a:p>
-          <a:p>
-            <a:pPr marL="203200" indent="0" algn="ctr">
-              <a:buNone/>
-            </a:pPr>
-            <a:r>
-              <a:rPr lang="en-US" sz="3000" dirty="0">
-                <a:solidFill>
-                  <a:schemeClr val="bg1"/>
-                </a:solidFill>
-                <a:latin typeface="Calibri" panose="020F0502020204030204" pitchFamily="34" charset="0"/>
-                <a:cs typeface="Calibri" panose="020F0502020204030204" pitchFamily="34" charset="0"/>
-              </a:rPr>
-              <a:t>fitzgerald.daniel.p@gmail.com</a:t>
+            <a:r>
+              <a:rPr lang="en-US" sz="2000" dirty="0"/>
+              <a:t>Write your own network covert channel</a:t>
+            </a:r>
+          </a:p>
+          <a:p>
+            <a:r>
+              <a:rPr lang="en-US" sz="2000" dirty="0"/>
+              <a:t>Need to exfil sensitive data from a target network</a:t>
+            </a:r>
+          </a:p>
+          <a:p>
+            <a:r>
+              <a:rPr lang="en-US" sz="2000" dirty="0"/>
+              <a:t>You can use Exercise2.pcap as your target network traffic if desired</a:t>
+            </a:r>
+          </a:p>
+          <a:p>
+            <a:r>
+              <a:rPr lang="en-US" sz="2000" dirty="0"/>
+              <a:t>Assume basic default firewall on target (i.e</a:t>
+            </a:r>
+            <a:r>
+              <a:rPr lang="en-US" dirty="0"/>
+              <a:t>. Windows Defender)</a:t>
+            </a:r>
+            <a:endParaRPr lang="en-US" sz="2000" dirty="0"/>
+          </a:p>
+          <a:p>
+            <a:r>
+              <a:rPr lang="en-US" sz="2000" dirty="0"/>
+              <a:t>Assume basic IDS with default rules – Sys Admin will parse alerts</a:t>
+            </a:r>
+          </a:p>
+          <a:p>
+            <a:r>
+              <a:rPr lang="en-US" sz="2000" dirty="0"/>
+              <a:t>Discuss covert channels, metrics, types, and patterns</a:t>
+            </a:r>
+          </a:p>
+          <a:p>
+            <a:r>
+              <a:rPr lang="en-US" sz="2000" dirty="0"/>
+              <a:t>Discuss development process</a:t>
+            </a:r>
+          </a:p>
+          <a:p>
+            <a:r>
+              <a:rPr lang="en-US" sz="2000" dirty="0"/>
+              <a:t>Discuss channel metrics, pattern, tradeoffs, design choice, etc.</a:t>
             </a:r>
           </a:p>
         </p:txBody>
@@ -4617,7 +4715,7 @@
           <p:cNvPr id="3" name="Text Placeholder 2">
             <a:extLst>
               <a:ext uri="{FF2B5EF4-FFF2-40B4-BE49-F238E27FC236}">
-                <a16:creationId xmlns:a16="http://schemas.microsoft.com/office/drawing/2014/main" id="{74BD7569-8455-48AD-8BB5-96D6B2602815}"/>
+                <a16:creationId xmlns:a16="http://schemas.microsoft.com/office/drawing/2014/main" id="{913609C7-66D6-4D9D-82F7-196BE94F2CC7}"/>
               </a:ext>
             </a:extLst>
           </p:cNvPr>
@@ -4625,32 +4723,17 @@
             <a:spLocks noGrp="1"/>
           </p:cNvSpPr>
           <p:nvPr>
-            <p:ph type="body" sz="quarter" idx="4294967295"/>
+            <p:ph type="body" sz="quarter" idx="11"/>
           </p:nvPr>
         </p:nvSpPr>
-        <p:spPr>
-          <a:xfrm>
-            <a:off x="0" y="550863"/>
-            <a:ext cx="8686800" cy="439737"/>
-          </a:xfrm>
-          <a:prstGeom prst="rect">
-            <a:avLst/>
-          </a:prstGeom>
-        </p:spPr>
+        <p:spPr/>
         <p:txBody>
           <a:bodyPr/>
           <a:lstStyle/>
           <a:p>
-            <a:pPr marL="0" indent="0">
-              <a:buNone/>
-            </a:pPr>
-            <a:r>
-              <a:rPr lang="en-US" dirty="0">
-                <a:solidFill>
-                  <a:schemeClr val="bg1"/>
-                </a:solidFill>
-              </a:rPr>
-              <a:t>Questions?</a:t>
+            <a:r>
+              <a:rPr lang="en-US" dirty="0"/>
+              <a:t>Assignment</a:t>
             </a:r>
           </a:p>
         </p:txBody>
@@ -4658,7 +4741,7 @@
     </p:spTree>
     <p:extLst>
       <p:ext uri="{BB962C8B-B14F-4D97-AF65-F5344CB8AC3E}">
-        <p14:creationId xmlns:p14="http://schemas.microsoft.com/office/powerpoint/2010/main" val="2623771264"/>
+        <p14:creationId xmlns:p14="http://schemas.microsoft.com/office/powerpoint/2010/main" val="1646258641"/>
       </p:ext>
     </p:extLst>
   </p:cSld>
@@ -4690,7 +4773,7 @@
           <p:cNvPr id="2" name="Text Placeholder 1">
             <a:extLst>
               <a:ext uri="{FF2B5EF4-FFF2-40B4-BE49-F238E27FC236}">
-                <a16:creationId xmlns:a16="http://schemas.microsoft.com/office/drawing/2014/main" id="{EB0F6949-42B2-4196-B747-3BDBC0BC1136}"/>
+                <a16:creationId xmlns:a16="http://schemas.microsoft.com/office/drawing/2014/main" id="{258AB261-9BBB-4BCA-BA4B-51127B8249C3}"/>
               </a:ext>
             </a:extLst>
           </p:cNvPr>
@@ -4698,63 +4781,60 @@
             <a:spLocks noGrp="1"/>
           </p:cNvSpPr>
           <p:nvPr>
-            <p:ph type="body" sz="quarter" idx="10"/>
+            <p:ph type="body" sz="quarter" idx="4294967295"/>
           </p:nvPr>
         </p:nvSpPr>
-        <p:spPr/>
+        <p:spPr>
+          <a:xfrm>
+            <a:off x="0" y="1144588"/>
+            <a:ext cx="8686800" cy="5114925"/>
+          </a:xfrm>
+          <a:prstGeom prst="rect">
+            <a:avLst/>
+          </a:prstGeom>
+        </p:spPr>
         <p:txBody>
-          <a:bodyPr/>
+          <a:bodyPr anchor="ctr"/>
           <a:lstStyle/>
           <a:p>
-            <a:r>
-              <a:rPr lang="en-US" sz="2000" dirty="0"/>
-              <a:t>Write your own network covert channel</a:t>
-            </a:r>
-          </a:p>
-          <a:p>
-            <a:r>
-              <a:rPr lang="en-US" sz="2000" dirty="0"/>
-              <a:t>Need to exfil sensitive data from a target network</a:t>
-            </a:r>
-          </a:p>
-          <a:p>
-            <a:r>
-              <a:rPr lang="en-US" sz="2000" dirty="0"/>
-              <a:t>You can use Exercise2.pcap as your target network traffic</a:t>
-            </a:r>
-          </a:p>
-          <a:p>
-            <a:r>
-              <a:rPr lang="en-US" sz="2000" dirty="0"/>
-              <a:t>Assume default firewall on target</a:t>
-            </a:r>
-          </a:p>
-          <a:p>
-            <a:r>
-              <a:rPr lang="en-US" sz="2000" dirty="0"/>
-              <a:t>Assume IDS with default rules – Sys Admin will parse alerts</a:t>
-            </a:r>
-          </a:p>
-          <a:p>
-            <a:r>
-              <a:rPr lang="en-US" sz="2000" dirty="0"/>
-              <a:t>Discuss covert channels, metrics, types, and patterns</a:t>
-            </a:r>
-          </a:p>
-          <a:p>
-            <a:r>
-              <a:rPr lang="en-US" sz="2000" dirty="0"/>
-              <a:t>Discuss development process</a:t>
-            </a:r>
-          </a:p>
-          <a:p>
-            <a:r>
-              <a:rPr lang="en-US" sz="2000" dirty="0"/>
-              <a:t>Discuss channel metrics, pattern, tradeoffs, design choice, etc.</a:t>
-            </a:r>
-          </a:p>
-          <a:p>
-            <a:endParaRPr lang="en-US" dirty="0"/>
+            <a:pPr marL="203200" indent="0" algn="ctr">
+              <a:buNone/>
+            </a:pPr>
+            <a:r>
+              <a:rPr lang="en-US" sz="3000" dirty="0" err="1">
+                <a:solidFill>
+                  <a:schemeClr val="bg1"/>
+                </a:solidFill>
+                <a:latin typeface="Calibri" panose="020F0502020204030204" pitchFamily="34" charset="0"/>
+                <a:cs typeface="Calibri" panose="020F0502020204030204" pitchFamily="34" charset="0"/>
+              </a:rPr>
+              <a:t>Capt</a:t>
+            </a:r>
+            <a:r>
+              <a:rPr lang="en-US" sz="3000" dirty="0">
+                <a:solidFill>
+                  <a:schemeClr val="bg1"/>
+                </a:solidFill>
+                <a:latin typeface="Calibri" panose="020F0502020204030204" pitchFamily="34" charset="0"/>
+                <a:cs typeface="Calibri" panose="020F0502020204030204" pitchFamily="34" charset="0"/>
+              </a:rPr>
+              <a:t> Daniel Fitzgerald</a:t>
+            </a:r>
+          </a:p>
+          <a:p>
+            <a:pPr marL="203200" indent="0" algn="ctr">
+              <a:buNone/>
+            </a:pPr>
+            <a:r>
+              <a:rPr lang="en-US" sz="3000" dirty="0">
+                <a:solidFill>
+                  <a:schemeClr val="bg1"/>
+                </a:solidFill>
+                <a:latin typeface="Calibri" panose="020F0502020204030204" pitchFamily="34" charset="0"/>
+                <a:cs typeface="Calibri" panose="020F0502020204030204" pitchFamily="34" charset="0"/>
+              </a:rPr>
+              <a:t>fitzgerald.daniel.p@gmail.com</a:t>
+            </a:r>
           </a:p>
         </p:txBody>
       </p:sp>
@@ -4763,7 +4843,7 @@
           <p:cNvPr id="3" name="Text Placeholder 2">
             <a:extLst>
               <a:ext uri="{FF2B5EF4-FFF2-40B4-BE49-F238E27FC236}">
-                <a16:creationId xmlns:a16="http://schemas.microsoft.com/office/drawing/2014/main" id="{913609C7-66D6-4D9D-82F7-196BE94F2CC7}"/>
+                <a16:creationId xmlns:a16="http://schemas.microsoft.com/office/drawing/2014/main" id="{74BD7569-8455-48AD-8BB5-96D6B2602815}"/>
               </a:ext>
             </a:extLst>
           </p:cNvPr>
@@ -4771,17 +4851,32 @@
             <a:spLocks noGrp="1"/>
           </p:cNvSpPr>
           <p:nvPr>
-            <p:ph type="body" sz="quarter" idx="11"/>
+            <p:ph type="body" sz="quarter" idx="4294967295"/>
           </p:nvPr>
         </p:nvSpPr>
-        <p:spPr/>
+        <p:spPr>
+          <a:xfrm>
+            <a:off x="0" y="550863"/>
+            <a:ext cx="8686800" cy="439737"/>
+          </a:xfrm>
+          <a:prstGeom prst="rect">
+            <a:avLst/>
+          </a:prstGeom>
+        </p:spPr>
         <p:txBody>
           <a:bodyPr/>
           <a:lstStyle/>
           <a:p>
-            <a:r>
-              <a:rPr lang="en-US" dirty="0"/>
-              <a:t>Assignment</a:t>
+            <a:pPr marL="0" indent="0">
+              <a:buNone/>
+            </a:pPr>
+            <a:r>
+              <a:rPr lang="en-US" dirty="0">
+                <a:solidFill>
+                  <a:schemeClr val="bg1"/>
+                </a:solidFill>
+              </a:rPr>
+              <a:t>Questions?</a:t>
             </a:r>
           </a:p>
         </p:txBody>
@@ -4789,7 +4884,7 @@
     </p:spTree>
     <p:extLst>
       <p:ext uri="{BB962C8B-B14F-4D97-AF65-F5344CB8AC3E}">
-        <p14:creationId xmlns:p14="http://schemas.microsoft.com/office/powerpoint/2010/main" val="1674130045"/>
+        <p14:creationId xmlns:p14="http://schemas.microsoft.com/office/powerpoint/2010/main" val="2623771264"/>
       </p:ext>
     </p:extLst>
   </p:cSld>

--- a/Handout/Covert Channel Lecture Day 2.pptx
+++ b/Handout/Covert Channel Lecture Day 2.pptx
@@ -5,10 +5,10 @@
     <p:sldMasterId id="2147483673" r:id="rId1"/>
   </p:sldMasterIdLst>
   <p:notesMasterIdLst>
-    <p:notesMasterId r:id="rId22"/>
+    <p:notesMasterId r:id="rId24"/>
   </p:notesMasterIdLst>
   <p:handoutMasterIdLst>
-    <p:handoutMasterId r:id="rId23"/>
+    <p:handoutMasterId r:id="rId25"/>
   </p:handoutMasterIdLst>
   <p:sldIdLst>
     <p:sldId id="450" r:id="rId2"/>
@@ -21,16 +21,18 @@
     <p:sldId id="457" r:id="rId9"/>
     <p:sldId id="552" r:id="rId10"/>
     <p:sldId id="570" r:id="rId11"/>
-    <p:sldId id="458" r:id="rId12"/>
-    <p:sldId id="459" r:id="rId13"/>
-    <p:sldId id="460" r:id="rId14"/>
-    <p:sldId id="461" r:id="rId15"/>
-    <p:sldId id="462" r:id="rId16"/>
-    <p:sldId id="463" r:id="rId17"/>
-    <p:sldId id="464" r:id="rId18"/>
-    <p:sldId id="577" r:id="rId19"/>
-    <p:sldId id="465" r:id="rId20"/>
-    <p:sldId id="569" r:id="rId21"/>
+    <p:sldId id="578" r:id="rId12"/>
+    <p:sldId id="458" r:id="rId13"/>
+    <p:sldId id="459" r:id="rId14"/>
+    <p:sldId id="460" r:id="rId15"/>
+    <p:sldId id="461" r:id="rId16"/>
+    <p:sldId id="462" r:id="rId17"/>
+    <p:sldId id="463" r:id="rId18"/>
+    <p:sldId id="464" r:id="rId19"/>
+    <p:sldId id="577" r:id="rId20"/>
+    <p:sldId id="579" r:id="rId21"/>
+    <p:sldId id="465" r:id="rId22"/>
+    <p:sldId id="569" r:id="rId23"/>
   </p:sldIdLst>
   <p:sldSz cx="9144000" cy="6858000" type="screen4x3"/>
   <p:notesSz cx="6400800" cy="8686800"/>
@@ -233,7 +235,7 @@
           <a:p>
             <a:fld id="{24DAFBA8-35F2-4C04-8149-4585D62DFC6D}" type="datetimeFigureOut">
               <a:rPr lang="en-US" smtClean="0"/>
-              <a:t>7/21/2024</a:t>
+              <a:t>7/20/2025</a:t>
             </a:fld>
             <a:endParaRPr lang="en-US"/>
           </a:p>
@@ -400,7 +402,7 @@
             <a:fld id="{2ECEE970-886D-4DEB-A78D-5219D8C79727}" type="datetimeFigureOut">
               <a:rPr lang="en-US" smtClean="0"/>
               <a:pPr/>
-              <a:t>7/21/2024</a:t>
+              <a:t>7/20/2025</a:t>
             </a:fld>
             <a:endParaRPr lang="en-US"/>
           </a:p>
@@ -1052,7 +1054,13 @@
   <p:cSld>
     <p:spTree>
       <p:nvGrpSpPr>
-        <p:cNvPr id="1" name=""/>
+        <p:cNvPr id="1" name="">
+          <a:extLst>
+            <a:ext uri="{FF2B5EF4-FFF2-40B4-BE49-F238E27FC236}">
+              <a16:creationId xmlns:a16="http://schemas.microsoft.com/office/drawing/2014/main" id="{5CE15086-6D8C-477D-3FB1-CCD3B4E788B0}"/>
+            </a:ext>
+          </a:extLst>
+        </p:cNvPr>
         <p:cNvGrpSpPr/>
         <p:nvPr/>
       </p:nvGrpSpPr>
@@ -1066,7 +1074,13 @@
       </p:grpSpPr>
       <p:sp>
         <p:nvSpPr>
-          <p:cNvPr id="2" name="Slide Image Placeholder 1"/>
+          <p:cNvPr id="2" name="Slide Image Placeholder 1">
+            <a:extLst>
+              <a:ext uri="{FF2B5EF4-FFF2-40B4-BE49-F238E27FC236}">
+                <a16:creationId xmlns:a16="http://schemas.microsoft.com/office/drawing/2014/main" id="{06ECB63D-9C70-F8C5-F2D4-5E7D0CD33739}"/>
+              </a:ext>
+            </a:extLst>
+          </p:cNvPr>
           <p:cNvSpPr>
             <a:spLocks noGrp="1" noRot="1" noChangeAspect="1"/>
           </p:cNvSpPr>
@@ -1078,7 +1092,13 @@
       </p:sp>
       <p:sp>
         <p:nvSpPr>
-          <p:cNvPr id="3" name="Notes Placeholder 2"/>
+          <p:cNvPr id="3" name="Notes Placeholder 2">
+            <a:extLst>
+              <a:ext uri="{FF2B5EF4-FFF2-40B4-BE49-F238E27FC236}">
+                <a16:creationId xmlns:a16="http://schemas.microsoft.com/office/drawing/2014/main" id="{BF5DAACA-5D9A-4A47-66E6-D40E0E53486E}"/>
+              </a:ext>
+            </a:extLst>
+          </p:cNvPr>
           <p:cNvSpPr>
             <a:spLocks noGrp="1"/>
           </p:cNvSpPr>
@@ -1093,72 +1113,49 @@
           <a:p>
             <a:r>
               <a:rPr lang="en-US" dirty="0"/>
-              <a:t>Look at the source code for these channels. Some is better than others. </a:t>
+              <a:t>Why is detection extremely difficult? – Everything can be used for good and bad.</a:t>
             </a:r>
           </a:p>
           <a:p>
             <a:r>
               <a:rPr lang="en-US" dirty="0"/>
-              <a:t>What makes it better? </a:t>
-            </a:r>
+              <a:t>Only way to determine intent is after the fact.</a:t>
+            </a:r>
+          </a:p>
+          <a:p>
+            <a:endParaRPr lang="en-US" dirty="0"/>
           </a:p>
           <a:p>
             <a:r>
               <a:rPr lang="en-US" dirty="0"/>
-              <a:t>What makes it easier to use?</a:t>
-            </a:r>
+              <a:t>Dr J video: </a:t>
+            </a:r>
+            <a:r>
+              <a:rPr lang="en-US" dirty="0">
+                <a:hlinkClick r:id="rId3"/>
+              </a:rPr>
+              <a:t>https://drive.google.com/file/d/16HpL1qxRjlv6YxaC59_Jb3yMlKtvaJni/view?fbclid=IwAR2PlPvzaUYx6Dvmn2X0-ro398YgznFL4QzrdKxUlN7lBlHzx9LdZAWsVys</a:t>
+            </a:r>
+            <a:endParaRPr lang="en-US" dirty="0"/>
           </a:p>
           <a:p>
             <a:r>
               <a:rPr lang="en-US" dirty="0"/>
-              <a:t>What makes it more portable?</a:t>
-            </a:r>
-          </a:p>
-          <a:p>
-            <a:endParaRPr lang="en-US" dirty="0"/>
+              <a:t>7:35 for Hume’s Induction Problem</a:t>
+            </a:r>
           </a:p>
           <a:p>
             <a:r>
               <a:rPr lang="en-US" dirty="0"/>
-              <a:t>Coding Standards:</a:t>
-            </a:r>
-          </a:p>
-          <a:p>
-            <a:r>
-              <a:rPr lang="en-US" dirty="0"/>
-              <a:t>PEP 8 - https://www.python.org/dev/peps/pep-0008/</a:t>
-            </a:r>
-          </a:p>
-          <a:p>
-            <a:r>
-              <a:rPr lang="en-US" dirty="0"/>
-              <a:t>GNU C Coding Standards - https://www.gnu.org/prep/standards/html_node/Writing-C.html</a:t>
-            </a:r>
-          </a:p>
-          <a:p>
-            <a:endParaRPr lang="en-US" dirty="0"/>
-          </a:p>
-          <a:p>
-            <a:r>
-              <a:rPr lang="en-US" dirty="0"/>
-              <a:t>Recommend git as you are all distributed. See Lt Star’s git-workflow</a:t>
-            </a:r>
-          </a:p>
-          <a:p>
-            <a:r>
-              <a:rPr lang="en-US" dirty="0"/>
-              <a:t>https://github.com/fitzgeralddaniel/git-workflow</a:t>
-            </a:r>
-          </a:p>
-          <a:p>
-            <a:endParaRPr lang="en-US" dirty="0"/>
+              <a:t>47:28 for why AI/ML wont save us (ends at 50:30)</a:t>
+            </a:r>
           </a:p>
         </p:txBody>
       </p:sp>
     </p:spTree>
     <p:extLst>
       <p:ext uri="{BB962C8B-B14F-4D97-AF65-F5344CB8AC3E}">
-        <p14:creationId xmlns:p14="http://schemas.microsoft.com/office/powerpoint/2010/main" val="3689677744"/>
+        <p14:creationId xmlns:p14="http://schemas.microsoft.com/office/powerpoint/2010/main" val="2941618986"/>
       </p:ext>
     </p:extLst>
   </p:cSld>
@@ -1212,6 +1209,127 @@
           <a:bodyPr/>
           <a:lstStyle/>
           <a:p>
+            <a:r>
+              <a:rPr lang="en-US" dirty="0"/>
+              <a:t>Look at the source code for these channels. Some is better than others. </a:t>
+            </a:r>
+          </a:p>
+          <a:p>
+            <a:r>
+              <a:rPr lang="en-US" dirty="0"/>
+              <a:t>What makes it better? </a:t>
+            </a:r>
+          </a:p>
+          <a:p>
+            <a:r>
+              <a:rPr lang="en-US" dirty="0"/>
+              <a:t>What makes it easier to use?</a:t>
+            </a:r>
+          </a:p>
+          <a:p>
+            <a:r>
+              <a:rPr lang="en-US" dirty="0"/>
+              <a:t>What makes it more portable?</a:t>
+            </a:r>
+          </a:p>
+          <a:p>
+            <a:endParaRPr lang="en-US" dirty="0"/>
+          </a:p>
+          <a:p>
+            <a:r>
+              <a:rPr lang="en-US" dirty="0"/>
+              <a:t>Coding Standards:</a:t>
+            </a:r>
+          </a:p>
+          <a:p>
+            <a:r>
+              <a:rPr lang="en-US" dirty="0"/>
+              <a:t>PEP 8 - https://www.python.org/dev/peps/pep-0008/</a:t>
+            </a:r>
+          </a:p>
+          <a:p>
+            <a:r>
+              <a:rPr lang="en-US" dirty="0"/>
+              <a:t>GNU C Coding Standards - https://www.gnu.org/prep/standards/html_node/Writing-C.html</a:t>
+            </a:r>
+          </a:p>
+          <a:p>
+            <a:endParaRPr lang="en-US" dirty="0"/>
+          </a:p>
+          <a:p>
+            <a:r>
+              <a:rPr lang="en-US" dirty="0"/>
+              <a:t>Recommend git as you are all distributed. See Lt Star’s git-workflow</a:t>
+            </a:r>
+          </a:p>
+          <a:p>
+            <a:r>
+              <a:rPr lang="en-US" dirty="0"/>
+              <a:t>https://github.com/fitzgeralddaniel/git-workflow</a:t>
+            </a:r>
+          </a:p>
+          <a:p>
+            <a:endParaRPr lang="en-US" dirty="0"/>
+          </a:p>
+        </p:txBody>
+      </p:sp>
+    </p:spTree>
+    <p:extLst>
+      <p:ext uri="{BB962C8B-B14F-4D97-AF65-F5344CB8AC3E}">
+        <p14:creationId xmlns:p14="http://schemas.microsoft.com/office/powerpoint/2010/main" val="3689677744"/>
+      </p:ext>
+    </p:extLst>
+  </p:cSld>
+  <p:clrMapOvr>
+    <a:masterClrMapping/>
+  </p:clrMapOvr>
+</p:notes>
+</file>
+
+<file path=ppt/notesSlides/notesSlide6.xml><?xml version="1.0" encoding="utf-8"?>
+<p:notes xmlns:a="http://schemas.openxmlformats.org/drawingml/2006/main" xmlns:r="http://schemas.openxmlformats.org/officeDocument/2006/relationships" xmlns:p="http://schemas.openxmlformats.org/presentationml/2006/main">
+  <p:cSld>
+    <p:spTree>
+      <p:nvGrpSpPr>
+        <p:cNvPr id="1" name=""/>
+        <p:cNvGrpSpPr/>
+        <p:nvPr/>
+      </p:nvGrpSpPr>
+      <p:grpSpPr>
+        <a:xfrm>
+          <a:off x="0" y="0"/>
+          <a:ext cx="0" cy="0"/>
+          <a:chOff x="0" y="0"/>
+          <a:chExt cx="0" cy="0"/>
+        </a:xfrm>
+      </p:grpSpPr>
+      <p:sp>
+        <p:nvSpPr>
+          <p:cNvPr id="2" name="Slide Image Placeholder 1"/>
+          <p:cNvSpPr>
+            <a:spLocks noGrp="1" noRot="1" noChangeAspect="1"/>
+          </p:cNvSpPr>
+          <p:nvPr>
+            <p:ph type="sldImg"/>
+          </p:nvPr>
+        </p:nvSpPr>
+        <p:spPr/>
+      </p:sp>
+      <p:sp>
+        <p:nvSpPr>
+          <p:cNvPr id="3" name="Notes Placeholder 2"/>
+          <p:cNvSpPr>
+            <a:spLocks noGrp="1"/>
+          </p:cNvSpPr>
+          <p:nvPr>
+            <p:ph type="body" idx="1"/>
+          </p:nvPr>
+        </p:nvSpPr>
+        <p:spPr/>
+        <p:txBody>
+          <a:bodyPr/>
+          <a:lstStyle/>
+          <a:p>
             <a:pPr marL="0" marR="0" lvl="0" indent="0" algn="l" defTabSz="914400" rtl="0" eaLnBrk="1" fontAlgn="auto" latinLnBrk="0" hangingPunct="1">
               <a:lnSpc>
                 <a:spcPct val="100000"/>
@@ -1252,7 +1370,109 @@
 </p:notes>
 </file>
 
-<file path=ppt/notesSlides/notesSlide6.xml><?xml version="1.0" encoding="utf-8"?>
+<file path=ppt/notesSlides/notesSlide7.xml><?xml version="1.0" encoding="utf-8"?>
+<p:notes xmlns:a="http://schemas.openxmlformats.org/drawingml/2006/main" xmlns:r="http://schemas.openxmlformats.org/officeDocument/2006/relationships" xmlns:p="http://schemas.openxmlformats.org/presentationml/2006/main">
+  <p:cSld>
+    <p:spTree>
+      <p:nvGrpSpPr>
+        <p:cNvPr id="1" name="">
+          <a:extLst>
+            <a:ext uri="{FF2B5EF4-FFF2-40B4-BE49-F238E27FC236}">
+              <a16:creationId xmlns:a16="http://schemas.microsoft.com/office/drawing/2014/main" id="{53A6A00A-CD31-5A83-4C39-237EE5B1454A}"/>
+            </a:ext>
+          </a:extLst>
+        </p:cNvPr>
+        <p:cNvGrpSpPr/>
+        <p:nvPr/>
+      </p:nvGrpSpPr>
+      <p:grpSpPr>
+        <a:xfrm>
+          <a:off x="0" y="0"/>
+          <a:ext cx="0" cy="0"/>
+          <a:chOff x="0" y="0"/>
+          <a:chExt cx="0" cy="0"/>
+        </a:xfrm>
+      </p:grpSpPr>
+      <p:sp>
+        <p:nvSpPr>
+          <p:cNvPr id="2" name="Slide Image Placeholder 1">
+            <a:extLst>
+              <a:ext uri="{FF2B5EF4-FFF2-40B4-BE49-F238E27FC236}">
+                <a16:creationId xmlns:a16="http://schemas.microsoft.com/office/drawing/2014/main" id="{016F7C80-06A8-4F53-41C2-B9DAF11E083F}"/>
+              </a:ext>
+            </a:extLst>
+          </p:cNvPr>
+          <p:cNvSpPr>
+            <a:spLocks noGrp="1" noRot="1" noChangeAspect="1"/>
+          </p:cNvSpPr>
+          <p:nvPr>
+            <p:ph type="sldImg"/>
+          </p:nvPr>
+        </p:nvSpPr>
+        <p:spPr/>
+      </p:sp>
+      <p:sp>
+        <p:nvSpPr>
+          <p:cNvPr id="3" name="Notes Placeholder 2">
+            <a:extLst>
+              <a:ext uri="{FF2B5EF4-FFF2-40B4-BE49-F238E27FC236}">
+                <a16:creationId xmlns:a16="http://schemas.microsoft.com/office/drawing/2014/main" id="{26388FB0-BC0D-4B71-8A33-E59A74E4D7A5}"/>
+              </a:ext>
+            </a:extLst>
+          </p:cNvPr>
+          <p:cNvSpPr>
+            <a:spLocks noGrp="1"/>
+          </p:cNvSpPr>
+          <p:nvPr>
+            <p:ph type="body" idx="1"/>
+          </p:nvPr>
+        </p:nvSpPr>
+        <p:spPr/>
+        <p:txBody>
+          <a:bodyPr/>
+          <a:lstStyle/>
+          <a:p>
+            <a:pPr marL="0" marR="0" lvl="0" indent="0" algn="l" defTabSz="914400" rtl="0" eaLnBrk="1" fontAlgn="auto" latinLnBrk="0" hangingPunct="1">
+              <a:lnSpc>
+                <a:spcPct val="100000"/>
+              </a:lnSpc>
+              <a:spcBef>
+                <a:spcPts val="0"/>
+              </a:spcBef>
+              <a:spcAft>
+                <a:spcPts val="0"/>
+              </a:spcAft>
+              <a:buClrTx/>
+              <a:buSzTx/>
+              <a:buFontTx/>
+              <a:buNone/>
+              <a:tabLst/>
+              <a:defRPr/>
+            </a:pPr>
+            <a:r>
+              <a:rPr lang="en-US" dirty="0"/>
+              <a:t>Get creative!!</a:t>
+            </a:r>
+          </a:p>
+          <a:p>
+            <a:endParaRPr lang="en-US" dirty="0"/>
+          </a:p>
+        </p:txBody>
+      </p:sp>
+    </p:spTree>
+    <p:extLst>
+      <p:ext uri="{BB962C8B-B14F-4D97-AF65-F5344CB8AC3E}">
+        <p14:creationId xmlns:p14="http://schemas.microsoft.com/office/powerpoint/2010/main" val="2205152629"/>
+      </p:ext>
+    </p:extLst>
+  </p:cSld>
+  <p:clrMapOvr>
+    <a:masterClrMapping/>
+  </p:clrMapOvr>
+</p:notes>
+</file>
+
+<file path=ppt/notesSlides/notesSlide8.xml><?xml version="1.0" encoding="utf-8"?>
 <p:notes xmlns:a="http://schemas.openxmlformats.org/drawingml/2006/main" xmlns:r="http://schemas.openxmlformats.org/officeDocument/2006/relationships" xmlns:p="http://schemas.openxmlformats.org/presentationml/2006/main">
   <p:cSld>
     <p:spTree>
@@ -3518,7 +3738,7 @@
           <a:p>
             <a:r>
               <a:rPr lang="en-US" dirty="0"/>
-              <a:t>23 JUL 2024</a:t>
+              <a:t>22 JUL 2025</a:t>
             </a:r>
           </a:p>
         </p:txBody>
@@ -3722,7 +3942,7 @@
           <a:p>
             <a:r>
               <a:rPr lang="en-US" dirty="0"/>
-              <a:t>Detection</a:t>
+              <a:t>AI</a:t>
             </a:r>
           </a:p>
         </p:txBody>
@@ -3745,7 +3965,13 @@
   <p:cSld>
     <p:spTree>
       <p:nvGrpSpPr>
-        <p:cNvPr id="1" name=""/>
+        <p:cNvPr id="1" name="">
+          <a:extLst>
+            <a:ext uri="{FF2B5EF4-FFF2-40B4-BE49-F238E27FC236}">
+              <a16:creationId xmlns:a16="http://schemas.microsoft.com/office/drawing/2014/main" id="{93C4F240-35F1-D72D-D008-9CD7DDA7E863}"/>
+            </a:ext>
+          </a:extLst>
+        </p:cNvPr>
         <p:cNvGrpSpPr/>
         <p:nvPr/>
       </p:nvGrpSpPr>
@@ -3762,7 +3988,7 @@
           <p:cNvPr id="2" name="Text Placeholder 1">
             <a:extLst>
               <a:ext uri="{FF2B5EF4-FFF2-40B4-BE49-F238E27FC236}">
-                <a16:creationId xmlns:a16="http://schemas.microsoft.com/office/drawing/2014/main" id="{8B3A910C-462E-4942-99FB-5F4D4D9AB81D}"/>
+                <a16:creationId xmlns:a16="http://schemas.microsoft.com/office/drawing/2014/main" id="{0B6CB574-05AB-1814-5E96-09069E0414B1}"/>
               </a:ext>
             </a:extLst>
           </p:cNvPr>
@@ -3779,30 +4005,26 @@
           <a:lstStyle/>
           <a:p>
             <a:r>
-              <a:rPr lang="en-US" sz="2000" dirty="0">
-                <a:sym typeface="Wingdings" panose="05000000000000000000" pitchFamily="2" charset="2"/>
-              </a:rPr>
-              <a:t>Malleable C2 Profile</a:t>
-            </a:r>
-          </a:p>
-          <a:p>
-            <a:r>
               <a:rPr lang="en-US" sz="2000" dirty="0"/>
-              <a:t>https://www.cobaltstrike.com/help-malleable-c2</a:t>
-            </a:r>
-          </a:p>
-          <a:p>
+              <a:t>Has this changed with the rise of ChatGPT and other recent AI models?</a:t>
+            </a:r>
+          </a:p>
+          <a:p>
+            <a:endParaRPr lang="en-US" dirty="0"/>
+          </a:p>
+          <a:p>
+            <a:endParaRPr lang="en-US" sz="2000" dirty="0"/>
+          </a:p>
+          <a:p>
+            <a:endParaRPr lang="en-US" dirty="0"/>
+          </a:p>
+          <a:p>
+            <a:pPr marL="0" indent="0" algn="ctr">
+              <a:buNone/>
+            </a:pPr>
             <a:r>
               <a:rPr lang="en-US" sz="2000" dirty="0"/>
-              <a:t>See help page for pictures</a:t>
-            </a:r>
-          </a:p>
-          <a:p>
-            <a:r>
-              <a:rPr lang="en-US" sz="2000" dirty="0">
-                <a:sym typeface="Wingdings" panose="05000000000000000000" pitchFamily="2" charset="2"/>
-              </a:rPr>
-              <a:t>Specifies how to transform data and store it in a transaction</a:t>
+              <a:t>Let’s try it out!</a:t>
             </a:r>
           </a:p>
           <a:p>
@@ -3815,7 +4037,7 @@
           <p:cNvPr id="3" name="Text Placeholder 2">
             <a:extLst>
               <a:ext uri="{FF2B5EF4-FFF2-40B4-BE49-F238E27FC236}">
-                <a16:creationId xmlns:a16="http://schemas.microsoft.com/office/drawing/2014/main" id="{E98D1428-A35E-4A01-8A32-6559B805C07E}"/>
+                <a16:creationId xmlns:a16="http://schemas.microsoft.com/office/drawing/2014/main" id="{3F3376B5-9937-4A8F-22CF-CB8AB4F21633}"/>
               </a:ext>
             </a:extLst>
           </p:cNvPr>
@@ -3833,7 +4055,7 @@
           <a:p>
             <a:r>
               <a:rPr lang="en-US" dirty="0"/>
-              <a:t>Cobalt Strike Integration</a:t>
+              <a:t>AI</a:t>
             </a:r>
           </a:p>
         </p:txBody>
@@ -3841,7 +4063,7 @@
     </p:spTree>
     <p:extLst>
       <p:ext uri="{BB962C8B-B14F-4D97-AF65-F5344CB8AC3E}">
-        <p14:creationId xmlns:p14="http://schemas.microsoft.com/office/powerpoint/2010/main" val="2272730764"/>
+        <p14:creationId xmlns:p14="http://schemas.microsoft.com/office/powerpoint/2010/main" val="3773810648"/>
       </p:ext>
     </p:extLst>
   </p:cSld>
@@ -3873,7 +4095,7 @@
           <p:cNvPr id="2" name="Text Placeholder 1">
             <a:extLst>
               <a:ext uri="{FF2B5EF4-FFF2-40B4-BE49-F238E27FC236}">
-                <a16:creationId xmlns:a16="http://schemas.microsoft.com/office/drawing/2014/main" id="{62E6546B-F87E-4D3F-B113-E7FB14FF8891}"/>
+                <a16:creationId xmlns:a16="http://schemas.microsoft.com/office/drawing/2014/main" id="{8B3A910C-462E-4942-99FB-5F4D4D9AB81D}"/>
               </a:ext>
             </a:extLst>
           </p:cNvPr>
@@ -3890,46 +4112,30 @@
           <a:lstStyle/>
           <a:p>
             <a:r>
+              <a:rPr lang="en-US" sz="2000" dirty="0">
+                <a:sym typeface="Wingdings" panose="05000000000000000000" pitchFamily="2" charset="2"/>
+              </a:rPr>
+              <a:t>Malleable C2 Profile</a:t>
+            </a:r>
+          </a:p>
+          <a:p>
+            <a:r>
               <a:rPr lang="en-US" sz="2000" dirty="0"/>
-              <a:t>External C2</a:t>
+              <a:t>https://www.cobaltstrike.com/help-malleable-c2</a:t>
             </a:r>
           </a:p>
           <a:p>
             <a:r>
               <a:rPr lang="en-US" sz="2000" dirty="0"/>
-              <a:t>https://www.cobaltstrike.com/downloads/externalc2spec.pdf</a:t>
-            </a:r>
-          </a:p>
-          <a:p>
-            <a:r>
-              <a:rPr lang="en-US" sz="2000" dirty="0"/>
-              <a:t>See spec for pictures</a:t>
-            </a:r>
-          </a:p>
-          <a:p>
-            <a:r>
-              <a:rPr lang="en-US" sz="2000" dirty="0"/>
-              <a:t>Allows 3</a:t>
-            </a:r>
-            <a:r>
-              <a:rPr lang="en-US" sz="2000" baseline="30000" dirty="0"/>
-              <a:t>rd</a:t>
-            </a:r>
-            <a:r>
-              <a:rPr lang="en-US" sz="2000" dirty="0"/>
-              <a:t> party programs to act as communications layer between Cobalt Strike and Beacon payload</a:t>
-            </a:r>
-          </a:p>
-          <a:p>
-            <a:r>
-              <a:rPr lang="en-US" sz="2000" dirty="0"/>
-              <a:t>Beta feature, existed since Cobalt Strike 3.6</a:t>
-            </a:r>
-          </a:p>
-          <a:p>
-            <a:r>
-              <a:rPr lang="en-US" sz="2000" dirty="0"/>
-              <a:t>Frame/packet consists of a 4 byte length field followed by a data field</a:t>
+              <a:t>See help page for pictures</a:t>
+            </a:r>
+          </a:p>
+          <a:p>
+            <a:r>
+              <a:rPr lang="en-US" sz="2000" dirty="0">
+                <a:sym typeface="Wingdings" panose="05000000000000000000" pitchFamily="2" charset="2"/>
+              </a:rPr>
+              <a:t>Specifies how to transform data and store it in a transaction</a:t>
             </a:r>
           </a:p>
           <a:p>
@@ -3942,7 +4148,7 @@
           <p:cNvPr id="3" name="Text Placeholder 2">
             <a:extLst>
               <a:ext uri="{FF2B5EF4-FFF2-40B4-BE49-F238E27FC236}">
-                <a16:creationId xmlns:a16="http://schemas.microsoft.com/office/drawing/2014/main" id="{5C5E4637-C050-401D-8E50-68A31EBA0CF5}"/>
+                <a16:creationId xmlns:a16="http://schemas.microsoft.com/office/drawing/2014/main" id="{E98D1428-A35E-4A01-8A32-6559B805C07E}"/>
               </a:ext>
             </a:extLst>
           </p:cNvPr>
@@ -3968,7 +4174,7 @@
     </p:spTree>
     <p:extLst>
       <p:ext uri="{BB962C8B-B14F-4D97-AF65-F5344CB8AC3E}">
-        <p14:creationId xmlns:p14="http://schemas.microsoft.com/office/powerpoint/2010/main" val="2818701732"/>
+        <p14:creationId xmlns:p14="http://schemas.microsoft.com/office/powerpoint/2010/main" val="2272730764"/>
       </p:ext>
     </p:extLst>
   </p:cSld>
@@ -4000,7 +4206,7 @@
           <p:cNvPr id="2" name="Text Placeholder 1">
             <a:extLst>
               <a:ext uri="{FF2B5EF4-FFF2-40B4-BE49-F238E27FC236}">
-                <a16:creationId xmlns:a16="http://schemas.microsoft.com/office/drawing/2014/main" id="{4782ED02-503E-4A6A-8E24-CE8DD24DDFED}"/>
+                <a16:creationId xmlns:a16="http://schemas.microsoft.com/office/drawing/2014/main" id="{62E6546B-F87E-4D3F-B113-E7FB14FF8891}"/>
               </a:ext>
             </a:extLst>
           </p:cNvPr>
@@ -4017,41 +4223,46 @@
           <a:lstStyle/>
           <a:p>
             <a:r>
-              <a:rPr lang="en-US" sz="2400" dirty="0"/>
-              <a:t>Malleable C2 Profile</a:t>
-            </a:r>
-          </a:p>
-          <a:p>
-            <a:pPr lvl="1"/>
-            <a:r>
               <a:rPr lang="en-US" sz="2000" dirty="0"/>
-              <a:t>https://github.com/rsmudge/Malleable-C2-Profiles</a:t>
-            </a:r>
-          </a:p>
-          <a:p>
-            <a:pPr lvl="1"/>
+              <a:t>External C2</a:t>
+            </a:r>
+          </a:p>
+          <a:p>
             <a:r>
               <a:rPr lang="en-US" sz="2000" dirty="0"/>
-              <a:t>https://posts.specterops.io/a-deep-dive-into-cobalt-strike-malleable-c2-6660e33b0e0b</a:t>
-            </a:r>
-            <a:endParaRPr lang="en-US" sz="2000" dirty="0">
-              <a:sym typeface="Wingdings" panose="05000000000000000000" pitchFamily="2" charset="2"/>
-            </a:endParaRPr>
-          </a:p>
-          <a:p>
-            <a:endParaRPr lang="en-US" sz="2400" dirty="0"/>
-          </a:p>
-          <a:p>
-            <a:r>
-              <a:rPr lang="en-US" sz="2400" dirty="0"/>
-              <a:t>External C2</a:t>
-            </a:r>
-          </a:p>
-          <a:p>
-            <a:pPr lvl="1"/>
+              <a:t>https://www.cobaltstrike.com/downloads/externalc2spec.pdf</a:t>
+            </a:r>
+          </a:p>
+          <a:p>
             <a:r>
               <a:rPr lang="en-US" sz="2000" dirty="0"/>
-              <a:t>https://blog.xpnsec.com/exploring-cobalt-strikes-externalc2-framework/</a:t>
+              <a:t>See spec for pictures</a:t>
+            </a:r>
+          </a:p>
+          <a:p>
+            <a:r>
+              <a:rPr lang="en-US" sz="2000" dirty="0"/>
+              <a:t>Allows 3</a:t>
+            </a:r>
+            <a:r>
+              <a:rPr lang="en-US" sz="2000" baseline="30000" dirty="0"/>
+              <a:t>rd</a:t>
+            </a:r>
+            <a:r>
+              <a:rPr lang="en-US" sz="2000" dirty="0"/>
+              <a:t> party programs to act as communications layer between Cobalt Strike and Beacon payload</a:t>
+            </a:r>
+          </a:p>
+          <a:p>
+            <a:r>
+              <a:rPr lang="en-US" sz="2000" dirty="0"/>
+              <a:t>Beta feature, existed since Cobalt Strike 3.6</a:t>
+            </a:r>
+          </a:p>
+          <a:p>
+            <a:r>
+              <a:rPr lang="en-US" sz="2000" dirty="0"/>
+              <a:t>Frame/packet consists of a 4 byte length field followed by a data field</a:t>
             </a:r>
           </a:p>
           <a:p>
@@ -4064,7 +4275,7 @@
           <p:cNvPr id="3" name="Text Placeholder 2">
             <a:extLst>
               <a:ext uri="{FF2B5EF4-FFF2-40B4-BE49-F238E27FC236}">
-                <a16:creationId xmlns:a16="http://schemas.microsoft.com/office/drawing/2014/main" id="{3B506BEB-6429-4DA5-8338-7B452315FF40}"/>
+                <a16:creationId xmlns:a16="http://schemas.microsoft.com/office/drawing/2014/main" id="{5C5E4637-C050-401D-8E50-68A31EBA0CF5}"/>
               </a:ext>
             </a:extLst>
           </p:cNvPr>
@@ -4090,7 +4301,7 @@
     </p:spTree>
     <p:extLst>
       <p:ext uri="{BB962C8B-B14F-4D97-AF65-F5344CB8AC3E}">
-        <p14:creationId xmlns:p14="http://schemas.microsoft.com/office/powerpoint/2010/main" val="3342703868"/>
+        <p14:creationId xmlns:p14="http://schemas.microsoft.com/office/powerpoint/2010/main" val="2818701732"/>
       </p:ext>
     </p:extLst>
   </p:cSld>
@@ -4122,7 +4333,7 @@
           <p:cNvPr id="2" name="Text Placeholder 1">
             <a:extLst>
               <a:ext uri="{FF2B5EF4-FFF2-40B4-BE49-F238E27FC236}">
-                <a16:creationId xmlns:a16="http://schemas.microsoft.com/office/drawing/2014/main" id="{543EB9DC-D89D-45F1-B369-4A98BFC62B92}"/>
+                <a16:creationId xmlns:a16="http://schemas.microsoft.com/office/drawing/2014/main" id="{4782ED02-503E-4A6A-8E24-CE8DD24DDFED}"/>
               </a:ext>
             </a:extLst>
           </p:cNvPr>
@@ -4135,33 +4346,49 @@
         </p:nvSpPr>
         <p:spPr/>
         <p:txBody>
-          <a:bodyPr anchor="ctr"/>
+          <a:bodyPr/>
           <a:lstStyle/>
           <a:p>
-            <a:pPr marL="203200" indent="0" algn="ctr">
-              <a:buFont typeface="Arial"/>
-              <a:buNone/>
-            </a:pPr>
-            <a:r>
-              <a:rPr lang="en-US" sz="3000" kern="0" dirty="0">
-                <a:latin typeface="Calibri" panose="020F0502020204030204" pitchFamily="34" charset="0"/>
-                <a:cs typeface="Calibri" panose="020F0502020204030204" pitchFamily="34" charset="0"/>
-              </a:rPr>
-              <a:t>Story Time</a:t>
-            </a:r>
-          </a:p>
-          <a:p>
-            <a:pPr marL="203200" indent="0" algn="ctr">
-              <a:buFont typeface="Arial"/>
-              <a:buNone/>
-            </a:pPr>
-            <a:r>
-              <a:rPr lang="en-US" sz="3000" kern="0" dirty="0">
-                <a:latin typeface="Calibri" panose="020F0502020204030204" pitchFamily="34" charset="0"/>
-                <a:cs typeface="Calibri" panose="020F0502020204030204" pitchFamily="34" charset="0"/>
-              </a:rPr>
-              <a:t>“Covert channels are useless, everyone just uses HTTPS now”</a:t>
-            </a:r>
+            <a:r>
+              <a:rPr lang="en-US" sz="2400" dirty="0"/>
+              <a:t>Malleable C2 Profile</a:t>
+            </a:r>
+          </a:p>
+          <a:p>
+            <a:pPr lvl="1"/>
+            <a:r>
+              <a:rPr lang="en-US" sz="2000" dirty="0"/>
+              <a:t>https://github.com/rsmudge/Malleable-C2-Profiles</a:t>
+            </a:r>
+          </a:p>
+          <a:p>
+            <a:pPr lvl="1"/>
+            <a:r>
+              <a:rPr lang="en-US" sz="2000" dirty="0"/>
+              <a:t>https://posts.specterops.io/a-deep-dive-into-cobalt-strike-malleable-c2-6660e33b0e0b</a:t>
+            </a:r>
+            <a:endParaRPr lang="en-US" sz="2000" dirty="0">
+              <a:sym typeface="Wingdings" panose="05000000000000000000" pitchFamily="2" charset="2"/>
+            </a:endParaRPr>
+          </a:p>
+          <a:p>
+            <a:endParaRPr lang="en-US" sz="2400" dirty="0"/>
+          </a:p>
+          <a:p>
+            <a:r>
+              <a:rPr lang="en-US" sz="2400" dirty="0"/>
+              <a:t>External C2</a:t>
+            </a:r>
+          </a:p>
+          <a:p>
+            <a:pPr lvl="1"/>
+            <a:r>
+              <a:rPr lang="en-US" sz="2000" dirty="0"/>
+              <a:t>https://blog.xpnsec.com/exploring-cobalt-strikes-externalc2-framework/</a:t>
+            </a:r>
+          </a:p>
+          <a:p>
+            <a:endParaRPr lang="en-US" dirty="0"/>
           </a:p>
         </p:txBody>
       </p:sp>
@@ -4170,7 +4397,7 @@
           <p:cNvPr id="3" name="Text Placeholder 2">
             <a:extLst>
               <a:ext uri="{FF2B5EF4-FFF2-40B4-BE49-F238E27FC236}">
-                <a16:creationId xmlns:a16="http://schemas.microsoft.com/office/drawing/2014/main" id="{8B4629EB-43C8-4958-88A2-402259D03F85}"/>
+                <a16:creationId xmlns:a16="http://schemas.microsoft.com/office/drawing/2014/main" id="{3B506BEB-6429-4DA5-8338-7B452315FF40}"/>
               </a:ext>
             </a:extLst>
           </p:cNvPr>
@@ -4196,7 +4423,7 @@
     </p:spTree>
     <p:extLst>
       <p:ext uri="{BB962C8B-B14F-4D97-AF65-F5344CB8AC3E}">
-        <p14:creationId xmlns:p14="http://schemas.microsoft.com/office/powerpoint/2010/main" val="1775290687"/>
+        <p14:creationId xmlns:p14="http://schemas.microsoft.com/office/powerpoint/2010/main" val="3342703868"/>
       </p:ext>
     </p:extLst>
   </p:cSld>
@@ -4228,7 +4455,7 @@
           <p:cNvPr id="2" name="Text Placeholder 1">
             <a:extLst>
               <a:ext uri="{FF2B5EF4-FFF2-40B4-BE49-F238E27FC236}">
-                <a16:creationId xmlns:a16="http://schemas.microsoft.com/office/drawing/2014/main" id="{8595E77F-0E7C-4EA2-A1B0-A0B44ED5E325}"/>
+                <a16:creationId xmlns:a16="http://schemas.microsoft.com/office/drawing/2014/main" id="{543EB9DC-D89D-45F1-B369-4A98BFC62B92}"/>
               </a:ext>
             </a:extLst>
           </p:cNvPr>
@@ -4241,40 +4468,33 @@
         </p:nvSpPr>
         <p:spPr/>
         <p:txBody>
-          <a:bodyPr/>
+          <a:bodyPr anchor="ctr"/>
           <a:lstStyle/>
           <a:p>
-            <a:r>
-              <a:rPr lang="en-US" sz="2000" dirty="0"/>
-              <a:t>Cobalt Strike PCAPs</a:t>
-            </a:r>
-          </a:p>
-          <a:p>
-            <a:r>
-              <a:rPr lang="en-US" sz="2000" dirty="0"/>
-              <a:t>C2 Profiles</a:t>
-            </a:r>
-          </a:p>
-          <a:p>
-            <a:r>
-              <a:rPr lang="en-US" sz="2000" dirty="0"/>
-              <a:t>https://github.com/rsmudge/Malleable-C2-Profiles</a:t>
-            </a:r>
-          </a:p>
-          <a:p>
-            <a:r>
-              <a:rPr lang="en-US" sz="2000" dirty="0"/>
-              <a:t>https://github.com/fitzgeralddaniel/Base_Covert_Channel</a:t>
-            </a:r>
-          </a:p>
-          <a:p>
-            <a:r>
-              <a:rPr lang="en-US" sz="2000" dirty="0"/>
-              <a:t>https://github.com/fitzgeralddaniel/IRC_Covert_Channel</a:t>
-            </a:r>
-          </a:p>
-          <a:p>
-            <a:endParaRPr lang="en-US" dirty="0"/>
+            <a:pPr marL="203200" indent="0" algn="ctr">
+              <a:buFont typeface="Arial"/>
+              <a:buNone/>
+            </a:pPr>
+            <a:r>
+              <a:rPr lang="en-US" sz="3000" kern="0" dirty="0">
+                <a:latin typeface="Calibri" panose="020F0502020204030204" pitchFamily="34" charset="0"/>
+                <a:cs typeface="Calibri" panose="020F0502020204030204" pitchFamily="34" charset="0"/>
+              </a:rPr>
+              <a:t>Story Time</a:t>
+            </a:r>
+          </a:p>
+          <a:p>
+            <a:pPr marL="203200" indent="0" algn="ctr">
+              <a:buFont typeface="Arial"/>
+              <a:buNone/>
+            </a:pPr>
+            <a:r>
+              <a:rPr lang="en-US" sz="3000" kern="0" dirty="0">
+                <a:latin typeface="Calibri" panose="020F0502020204030204" pitchFamily="34" charset="0"/>
+                <a:cs typeface="Calibri" panose="020F0502020204030204" pitchFamily="34" charset="0"/>
+              </a:rPr>
+              <a:t>“Covert channels are useless, everyone just uses HTTPS now”</a:t>
+            </a:r>
           </a:p>
         </p:txBody>
       </p:sp>
@@ -4283,7 +4503,7 @@
           <p:cNvPr id="3" name="Text Placeholder 2">
             <a:extLst>
               <a:ext uri="{FF2B5EF4-FFF2-40B4-BE49-F238E27FC236}">
-                <a16:creationId xmlns:a16="http://schemas.microsoft.com/office/drawing/2014/main" id="{5891AAC3-4812-4893-9B04-EE645782D6E3}"/>
+                <a16:creationId xmlns:a16="http://schemas.microsoft.com/office/drawing/2014/main" id="{8B4629EB-43C8-4958-88A2-402259D03F85}"/>
               </a:ext>
             </a:extLst>
           </p:cNvPr>
@@ -4301,7 +4521,7 @@
           <a:p>
             <a:r>
               <a:rPr lang="en-US" dirty="0"/>
-              <a:t>Cobalt Strike Practice</a:t>
+              <a:t>Cobalt Strike Integration</a:t>
             </a:r>
           </a:p>
         </p:txBody>
@@ -4309,7 +4529,7 @@
     </p:spTree>
     <p:extLst>
       <p:ext uri="{BB962C8B-B14F-4D97-AF65-F5344CB8AC3E}">
-        <p14:creationId xmlns:p14="http://schemas.microsoft.com/office/powerpoint/2010/main" val="3252086341"/>
+        <p14:creationId xmlns:p14="http://schemas.microsoft.com/office/powerpoint/2010/main" val="1775290687"/>
       </p:ext>
     </p:extLst>
   </p:cSld>
@@ -4341,7 +4561,7 @@
           <p:cNvPr id="2" name="Text Placeholder 1">
             <a:extLst>
               <a:ext uri="{FF2B5EF4-FFF2-40B4-BE49-F238E27FC236}">
-                <a16:creationId xmlns:a16="http://schemas.microsoft.com/office/drawing/2014/main" id="{C65C1FE1-41BE-4000-8C84-0317A16618B7}"/>
+                <a16:creationId xmlns:a16="http://schemas.microsoft.com/office/drawing/2014/main" id="{8595E77F-0E7C-4EA2-A1B0-A0B44ED5E325}"/>
               </a:ext>
             </a:extLst>
           </p:cNvPr>
@@ -4358,81 +4578,32 @@
           <a:lstStyle/>
           <a:p>
             <a:r>
-              <a:rPr lang="en-US" sz="2400" dirty="0"/>
-              <a:t>Documentation and Comments</a:t>
-            </a:r>
-          </a:p>
-          <a:p>
-            <a:pPr lvl="1"/>
-            <a:r>
-              <a:rPr lang="en-US" sz="1800" dirty="0" err="1"/>
-              <a:t>Doxygen</a:t>
-            </a:r>
-            <a:r>
-              <a:rPr lang="en-US" sz="1800" dirty="0"/>
-              <a:t> like comments and a User Guide</a:t>
-            </a:r>
-          </a:p>
-          <a:p>
-            <a:r>
-              <a:rPr lang="en-US" sz="2400" dirty="0"/>
-              <a:t>Propper formatting</a:t>
-            </a:r>
-          </a:p>
-          <a:p>
-            <a:pPr lvl="1"/>
-            <a:r>
-              <a:rPr lang="en-US" sz="1800" dirty="0"/>
-              <a:t>PEP-8 and/or a C style guide</a:t>
-            </a:r>
-          </a:p>
-          <a:p>
-            <a:r>
-              <a:rPr lang="en-US" sz="2400" dirty="0"/>
-              <a:t>Usability</a:t>
-            </a:r>
-          </a:p>
-          <a:p>
-            <a:pPr lvl="1"/>
-            <a:r>
-              <a:rPr lang="en-US" sz="1800" dirty="0" err="1"/>
-              <a:t>Argparse</a:t>
-            </a:r>
-            <a:r>
-              <a:rPr lang="en-US" sz="1800" dirty="0"/>
-              <a:t> (python) and - - help</a:t>
-            </a:r>
-          </a:p>
-          <a:p>
-            <a:r>
-              <a:rPr lang="en-US" sz="2400" dirty="0"/>
-              <a:t>Error checking</a:t>
-            </a:r>
-          </a:p>
-          <a:p>
-            <a:r>
-              <a:rPr lang="en-US" sz="2400" dirty="0"/>
-              <a:t>Tradecraft</a:t>
-            </a:r>
-          </a:p>
-          <a:p>
-            <a:pPr lvl="1"/>
-            <a:r>
-              <a:rPr lang="en-US" sz="1800" dirty="0"/>
-              <a:t>Strings, functions, abnormalities that give away intent</a:t>
-            </a:r>
-          </a:p>
-          <a:p>
-            <a:r>
-              <a:rPr lang="en-US" sz="2400" dirty="0"/>
-              <a:t>Compatibility</a:t>
-            </a:r>
-          </a:p>
-          <a:p>
-            <a:pPr lvl="1"/>
-            <a:r>
-              <a:rPr lang="en-US" sz="1800" dirty="0"/>
-              <a:t>Will python be installed on your target box? Python2 vs Python3?</a:t>
+              <a:rPr lang="en-US" sz="2000" dirty="0"/>
+              <a:t>Cobalt Strike PCAPs</a:t>
+            </a:r>
+          </a:p>
+          <a:p>
+            <a:r>
+              <a:rPr lang="en-US" sz="2000" dirty="0"/>
+              <a:t>C2 Profiles</a:t>
+            </a:r>
+          </a:p>
+          <a:p>
+            <a:r>
+              <a:rPr lang="en-US" sz="2000" dirty="0"/>
+              <a:t>https://github.com/rsmudge/Malleable-C2-Profiles</a:t>
+            </a:r>
+          </a:p>
+          <a:p>
+            <a:r>
+              <a:rPr lang="en-US" sz="2000" dirty="0"/>
+              <a:t>https://github.com/fitzgeralddaniel/Base_Covert_Channel</a:t>
+            </a:r>
+          </a:p>
+          <a:p>
+            <a:r>
+              <a:rPr lang="en-US" sz="2000" dirty="0"/>
+              <a:t>https://github.com/fitzgeralddaniel/IRC_Covert_Channel</a:t>
             </a:r>
           </a:p>
           <a:p>
@@ -4445,7 +4616,7 @@
           <p:cNvPr id="3" name="Text Placeholder 2">
             <a:extLst>
               <a:ext uri="{FF2B5EF4-FFF2-40B4-BE49-F238E27FC236}">
-                <a16:creationId xmlns:a16="http://schemas.microsoft.com/office/drawing/2014/main" id="{36B12481-D44E-4F84-B0E7-E48C93627CE8}"/>
+                <a16:creationId xmlns:a16="http://schemas.microsoft.com/office/drawing/2014/main" id="{5891AAC3-4812-4893-9B04-EE645782D6E3}"/>
               </a:ext>
             </a:extLst>
           </p:cNvPr>
@@ -4463,7 +4634,7 @@
           <a:p>
             <a:r>
               <a:rPr lang="en-US" dirty="0"/>
-              <a:t>Development</a:t>
+              <a:t>Cobalt Strike Practice</a:t>
             </a:r>
           </a:p>
         </p:txBody>
@@ -4471,7 +4642,7 @@
     </p:spTree>
     <p:extLst>
       <p:ext uri="{BB962C8B-B14F-4D97-AF65-F5344CB8AC3E}">
-        <p14:creationId xmlns:p14="http://schemas.microsoft.com/office/powerpoint/2010/main" val="946033275"/>
+        <p14:creationId xmlns:p14="http://schemas.microsoft.com/office/powerpoint/2010/main" val="3252086341"/>
       </p:ext>
     </p:extLst>
   </p:cSld>
@@ -4503,7 +4674,7 @@
           <p:cNvPr id="2" name="Text Placeholder 1">
             <a:extLst>
               <a:ext uri="{FF2B5EF4-FFF2-40B4-BE49-F238E27FC236}">
-                <a16:creationId xmlns:a16="http://schemas.microsoft.com/office/drawing/2014/main" id="{0B5C93CB-93FB-4EC7-83A9-202BC355788A}"/>
+                <a16:creationId xmlns:a16="http://schemas.microsoft.com/office/drawing/2014/main" id="{C65C1FE1-41BE-4000-8C84-0317A16618B7}"/>
               </a:ext>
             </a:extLst>
           </p:cNvPr>
@@ -4520,56 +4691,81 @@
           <a:lstStyle/>
           <a:p>
             <a:r>
-              <a:rPr lang="en-US" sz="2000" dirty="0"/>
-              <a:t>Networking Review</a:t>
-            </a:r>
-          </a:p>
-          <a:p>
-            <a:r>
-              <a:rPr lang="en-US" sz="2000" dirty="0"/>
-              <a:t>Wireshark Review</a:t>
-            </a:r>
-          </a:p>
-          <a:p>
-            <a:r>
-              <a:rPr lang="en-US" sz="2000" dirty="0"/>
-              <a:t>What are Covert Channels?</a:t>
-            </a:r>
-          </a:p>
-          <a:p>
-            <a:r>
-              <a:rPr lang="en-US" sz="2000" dirty="0"/>
-              <a:t>Types of Covert Channels</a:t>
-            </a:r>
-          </a:p>
-          <a:p>
-            <a:r>
-              <a:rPr lang="en-US" sz="2000" dirty="0"/>
-              <a:t>Casual vs Dedicated Observer </a:t>
-            </a:r>
-          </a:p>
-          <a:p>
-            <a:r>
-              <a:rPr lang="en-US" sz="2000" dirty="0"/>
-              <a:t>Evaluating Covert Channels</a:t>
-            </a:r>
-          </a:p>
-          <a:p>
-            <a:r>
-              <a:rPr lang="en-US" sz="2000" dirty="0"/>
-              <a:t>Detection</a:t>
-            </a:r>
-          </a:p>
-          <a:p>
-            <a:r>
-              <a:rPr lang="en-US" sz="2000" dirty="0"/>
-              <a:t>Cobalt Strike Integration</a:t>
-            </a:r>
-          </a:p>
-          <a:p>
-            <a:r>
-              <a:rPr lang="en-US" sz="2000" dirty="0"/>
-              <a:t>Practice</a:t>
+              <a:rPr lang="en-US" sz="2400" dirty="0"/>
+              <a:t>Documentation and Comments</a:t>
+            </a:r>
+          </a:p>
+          <a:p>
+            <a:pPr lvl="1"/>
+            <a:r>
+              <a:rPr lang="en-US" sz="1800" dirty="0" err="1"/>
+              <a:t>Doxygen</a:t>
+            </a:r>
+            <a:r>
+              <a:rPr lang="en-US" sz="1800" dirty="0"/>
+              <a:t> like comments and a User Guide</a:t>
+            </a:r>
+          </a:p>
+          <a:p>
+            <a:r>
+              <a:rPr lang="en-US" sz="2400" dirty="0"/>
+              <a:t>Propper formatting</a:t>
+            </a:r>
+          </a:p>
+          <a:p>
+            <a:pPr lvl="1"/>
+            <a:r>
+              <a:rPr lang="en-US" sz="1800" dirty="0"/>
+              <a:t>PEP-8 and/or a C style guide</a:t>
+            </a:r>
+          </a:p>
+          <a:p>
+            <a:r>
+              <a:rPr lang="en-US" sz="2400" dirty="0"/>
+              <a:t>Usability</a:t>
+            </a:r>
+          </a:p>
+          <a:p>
+            <a:pPr lvl="1"/>
+            <a:r>
+              <a:rPr lang="en-US" sz="1800" dirty="0" err="1"/>
+              <a:t>Argparse</a:t>
+            </a:r>
+            <a:r>
+              <a:rPr lang="en-US" sz="1800" dirty="0"/>
+              <a:t> (python) and - - help</a:t>
+            </a:r>
+          </a:p>
+          <a:p>
+            <a:r>
+              <a:rPr lang="en-US" sz="2400" dirty="0"/>
+              <a:t>Error checking</a:t>
+            </a:r>
+          </a:p>
+          <a:p>
+            <a:r>
+              <a:rPr lang="en-US" sz="2400" dirty="0"/>
+              <a:t>Tradecraft</a:t>
+            </a:r>
+          </a:p>
+          <a:p>
+            <a:pPr lvl="1"/>
+            <a:r>
+              <a:rPr lang="en-US" sz="1800" dirty="0"/>
+              <a:t>Strings, functions, abnormalities that give away intent</a:t>
+            </a:r>
+          </a:p>
+          <a:p>
+            <a:r>
+              <a:rPr lang="en-US" sz="2400" dirty="0"/>
+              <a:t>Compatibility</a:t>
+            </a:r>
+          </a:p>
+          <a:p>
+            <a:pPr lvl="1"/>
+            <a:r>
+              <a:rPr lang="en-US" sz="1800" dirty="0"/>
+              <a:t>Will python be installed on your target box? Python2 vs Python3?</a:t>
             </a:r>
           </a:p>
           <a:p>
@@ -4582,7 +4778,7 @@
           <p:cNvPr id="3" name="Text Placeholder 2">
             <a:extLst>
               <a:ext uri="{FF2B5EF4-FFF2-40B4-BE49-F238E27FC236}">
-                <a16:creationId xmlns:a16="http://schemas.microsoft.com/office/drawing/2014/main" id="{FE8A5A8F-11E4-46C1-AE95-4B3159CE520A}"/>
+                <a16:creationId xmlns:a16="http://schemas.microsoft.com/office/drawing/2014/main" id="{36B12481-D44E-4F84-B0E7-E48C93627CE8}"/>
               </a:ext>
             </a:extLst>
           </p:cNvPr>
@@ -4600,7 +4796,7 @@
           <a:p>
             <a:r>
               <a:rPr lang="en-US" dirty="0"/>
-              <a:t>Summary</a:t>
+              <a:t>Development</a:t>
             </a:r>
           </a:p>
         </p:txBody>
@@ -4608,7 +4804,7 @@
     </p:spTree>
     <p:extLst>
       <p:ext uri="{BB962C8B-B14F-4D97-AF65-F5344CB8AC3E}">
-        <p14:creationId xmlns:p14="http://schemas.microsoft.com/office/powerpoint/2010/main" val="1189964675"/>
+        <p14:creationId xmlns:p14="http://schemas.microsoft.com/office/powerpoint/2010/main" val="946033275"/>
       </p:ext>
     </p:extLst>
   </p:cSld>
@@ -4640,7 +4836,7 @@
           <p:cNvPr id="2" name="Text Placeholder 1">
             <a:extLst>
               <a:ext uri="{FF2B5EF4-FFF2-40B4-BE49-F238E27FC236}">
-                <a16:creationId xmlns:a16="http://schemas.microsoft.com/office/drawing/2014/main" id="{EB0F6949-42B2-4196-B747-3BDBC0BC1136}"/>
+                <a16:creationId xmlns:a16="http://schemas.microsoft.com/office/drawing/2014/main" id="{0B5C93CB-93FB-4EC7-83A9-202BC355788A}"/>
               </a:ext>
             </a:extLst>
           </p:cNvPr>
@@ -4658,55 +4854,59 @@
           <a:p>
             <a:r>
               <a:rPr lang="en-US" sz="2000" dirty="0"/>
-              <a:t>Write your own network covert channel</a:t>
+              <a:t>Networking Review</a:t>
             </a:r>
           </a:p>
           <a:p>
             <a:r>
               <a:rPr lang="en-US" sz="2000" dirty="0"/>
-              <a:t>Need to exfil sensitive data from a target network</a:t>
+              <a:t>Wireshark Review</a:t>
             </a:r>
           </a:p>
           <a:p>
             <a:r>
               <a:rPr lang="en-US" sz="2000" dirty="0"/>
-              <a:t>You can use Exercise2.pcap as your target network traffic if desired</a:t>
+              <a:t>What are Covert Channels?</a:t>
             </a:r>
           </a:p>
           <a:p>
             <a:r>
               <a:rPr lang="en-US" sz="2000" dirty="0"/>
-              <a:t>Assume basic default firewall on target (i.e</a:t>
-            </a:r>
-            <a:r>
-              <a:rPr lang="en-US" dirty="0"/>
-              <a:t>. Windows Defender)</a:t>
-            </a:r>
-            <a:endParaRPr lang="en-US" sz="2000" dirty="0"/>
+              <a:t>Types of Covert Channels</a:t>
+            </a:r>
           </a:p>
           <a:p>
             <a:r>
               <a:rPr lang="en-US" sz="2000" dirty="0"/>
-              <a:t>Assume basic IDS with default rules – Sys Admin will parse alerts</a:t>
+              <a:t>Casual vs Dedicated Observer </a:t>
             </a:r>
           </a:p>
           <a:p>
             <a:r>
               <a:rPr lang="en-US" sz="2000" dirty="0"/>
-              <a:t>Discuss covert channels, metrics, types, and patterns</a:t>
+              <a:t>Evaluating Covert Channels</a:t>
             </a:r>
           </a:p>
           <a:p>
             <a:r>
               <a:rPr lang="en-US" sz="2000" dirty="0"/>
-              <a:t>Discuss development process</a:t>
+              <a:t>Detection</a:t>
             </a:r>
           </a:p>
           <a:p>
             <a:r>
               <a:rPr lang="en-US" sz="2000" dirty="0"/>
-              <a:t>Discuss channel metrics, pattern, tradeoffs, design choice, etc.</a:t>
-            </a:r>
+              <a:t>Cobalt Strike Integration</a:t>
+            </a:r>
+          </a:p>
+          <a:p>
+            <a:r>
+              <a:rPr lang="en-US" sz="2000" dirty="0"/>
+              <a:t>Practice</a:t>
+            </a:r>
+          </a:p>
+          <a:p>
+            <a:endParaRPr lang="en-US" dirty="0"/>
           </a:p>
         </p:txBody>
       </p:sp>
@@ -4715,7 +4915,7 @@
           <p:cNvPr id="3" name="Text Placeholder 2">
             <a:extLst>
               <a:ext uri="{FF2B5EF4-FFF2-40B4-BE49-F238E27FC236}">
-                <a16:creationId xmlns:a16="http://schemas.microsoft.com/office/drawing/2014/main" id="{913609C7-66D6-4D9D-82F7-196BE94F2CC7}"/>
+                <a16:creationId xmlns:a16="http://schemas.microsoft.com/office/drawing/2014/main" id="{FE8A5A8F-11E4-46C1-AE95-4B3159CE520A}"/>
               </a:ext>
             </a:extLst>
           </p:cNvPr>
@@ -4733,7 +4933,7 @@
           <a:p>
             <a:r>
               <a:rPr lang="en-US" dirty="0"/>
-              <a:t>Assignment</a:t>
+              <a:t>Summary</a:t>
             </a:r>
           </a:p>
         </p:txBody>
@@ -4741,7 +4941,7 @@
     </p:spTree>
     <p:extLst>
       <p:ext uri="{BB962C8B-B14F-4D97-AF65-F5344CB8AC3E}">
-        <p14:creationId xmlns:p14="http://schemas.microsoft.com/office/powerpoint/2010/main" val="1646258641"/>
+        <p14:creationId xmlns:p14="http://schemas.microsoft.com/office/powerpoint/2010/main" val="1189964675"/>
       </p:ext>
     </p:extLst>
   </p:cSld>
@@ -4773,7 +4973,7 @@
           <p:cNvPr id="2" name="Text Placeholder 1">
             <a:extLst>
               <a:ext uri="{FF2B5EF4-FFF2-40B4-BE49-F238E27FC236}">
-                <a16:creationId xmlns:a16="http://schemas.microsoft.com/office/drawing/2014/main" id="{258AB261-9BBB-4BCA-BA4B-51127B8249C3}"/>
+                <a16:creationId xmlns:a16="http://schemas.microsoft.com/office/drawing/2014/main" id="{EB0F6949-42B2-4196-B747-3BDBC0BC1136}"/>
               </a:ext>
             </a:extLst>
           </p:cNvPr>
@@ -4781,59 +4981,67 @@
             <a:spLocks noGrp="1"/>
           </p:cNvSpPr>
           <p:nvPr>
-            <p:ph type="body" sz="quarter" idx="4294967295"/>
+            <p:ph type="body" sz="quarter" idx="10"/>
           </p:nvPr>
         </p:nvSpPr>
-        <p:spPr>
-          <a:xfrm>
-            <a:off x="0" y="1144588"/>
-            <a:ext cx="8686800" cy="5114925"/>
-          </a:xfrm>
-          <a:prstGeom prst="rect">
-            <a:avLst/>
-          </a:prstGeom>
-        </p:spPr>
+        <p:spPr/>
         <p:txBody>
-          <a:bodyPr anchor="ctr"/>
+          <a:bodyPr/>
           <a:lstStyle/>
           <a:p>
-            <a:pPr marL="203200" indent="0" algn="ctr">
-              <a:buNone/>
-            </a:pPr>
-            <a:r>
-              <a:rPr lang="en-US" sz="3000" dirty="0" err="1">
-                <a:solidFill>
-                  <a:schemeClr val="bg1"/>
-                </a:solidFill>
-                <a:latin typeface="Calibri" panose="020F0502020204030204" pitchFamily="34" charset="0"/>
-                <a:cs typeface="Calibri" panose="020F0502020204030204" pitchFamily="34" charset="0"/>
-              </a:rPr>
-              <a:t>Capt</a:t>
-            </a:r>
-            <a:r>
-              <a:rPr lang="en-US" sz="3000" dirty="0">
-                <a:solidFill>
-                  <a:schemeClr val="bg1"/>
-                </a:solidFill>
-                <a:latin typeface="Calibri" panose="020F0502020204030204" pitchFamily="34" charset="0"/>
-                <a:cs typeface="Calibri" panose="020F0502020204030204" pitchFamily="34" charset="0"/>
-              </a:rPr>
-              <a:t> Daniel Fitzgerald</a:t>
-            </a:r>
-          </a:p>
-          <a:p>
-            <a:pPr marL="203200" indent="0" algn="ctr">
-              <a:buNone/>
-            </a:pPr>
-            <a:r>
-              <a:rPr lang="en-US" sz="3000" dirty="0">
-                <a:solidFill>
-                  <a:schemeClr val="bg1"/>
-                </a:solidFill>
-                <a:latin typeface="Calibri" panose="020F0502020204030204" pitchFamily="34" charset="0"/>
-                <a:cs typeface="Calibri" panose="020F0502020204030204" pitchFamily="34" charset="0"/>
-              </a:rPr>
-              <a:t>fitzgerald.daniel.p@gmail.com</a:t>
+            <a:r>
+              <a:rPr lang="en-US" dirty="0"/>
+              <a:t>Mission: </a:t>
+            </a:r>
+            <a:r>
+              <a:rPr lang="en-US" sz="2000" dirty="0"/>
+              <a:t>Need to exfil sensitive data from a target network</a:t>
+            </a:r>
+          </a:p>
+          <a:p>
+            <a:r>
+              <a:rPr lang="en-US" dirty="0"/>
+              <a:t>You are on the dev team working on the covert channel part of the implant your organization is developing</a:t>
+            </a:r>
+          </a:p>
+          <a:p>
+            <a:r>
+              <a:rPr lang="en-US" sz="2000" dirty="0"/>
+              <a:t>Need a proof of concept to pass to the implant team to integrate for the operation</a:t>
+            </a:r>
+          </a:p>
+          <a:p>
+            <a:r>
+              <a:rPr lang="en-US" sz="2000" dirty="0"/>
+              <a:t>You will be briefed on the mission and intel we have on the target network that your channel must traverse</a:t>
+            </a:r>
+          </a:p>
+          <a:p>
+            <a:endParaRPr lang="en-US" sz="2000" dirty="0"/>
+          </a:p>
+          <a:p>
+            <a:r>
+              <a:rPr lang="en-US" dirty="0"/>
+              <a:t>Write your own network covert channel!</a:t>
+            </a:r>
+            <a:endParaRPr lang="en-US" sz="2000" dirty="0"/>
+          </a:p>
+          <a:p>
+            <a:r>
+              <a:rPr lang="en-US" sz="2000" dirty="0"/>
+              <a:t>Discuss covert channels, metrics, types, and patterns</a:t>
+            </a:r>
+          </a:p>
+          <a:p>
+            <a:r>
+              <a:rPr lang="en-US" sz="2000" dirty="0"/>
+              <a:t>Discuss development process</a:t>
+            </a:r>
+          </a:p>
+          <a:p>
+            <a:r>
+              <a:rPr lang="en-US" sz="2000" dirty="0"/>
+              <a:t>Discuss channel metrics, pattern, tradeoffs, design choice, etc.</a:t>
             </a:r>
           </a:p>
         </p:txBody>
@@ -4843,7 +5051,7 @@
           <p:cNvPr id="3" name="Text Placeholder 2">
             <a:extLst>
               <a:ext uri="{FF2B5EF4-FFF2-40B4-BE49-F238E27FC236}">
-                <a16:creationId xmlns:a16="http://schemas.microsoft.com/office/drawing/2014/main" id="{74BD7569-8455-48AD-8BB5-96D6B2602815}"/>
+                <a16:creationId xmlns:a16="http://schemas.microsoft.com/office/drawing/2014/main" id="{913609C7-66D6-4D9D-82F7-196BE94F2CC7}"/>
               </a:ext>
             </a:extLst>
           </p:cNvPr>
@@ -4851,32 +5059,17 @@
             <a:spLocks noGrp="1"/>
           </p:cNvSpPr>
           <p:nvPr>
-            <p:ph type="body" sz="quarter" idx="4294967295"/>
+            <p:ph type="body" sz="quarter" idx="11"/>
           </p:nvPr>
         </p:nvSpPr>
-        <p:spPr>
-          <a:xfrm>
-            <a:off x="0" y="550863"/>
-            <a:ext cx="8686800" cy="439737"/>
-          </a:xfrm>
-          <a:prstGeom prst="rect">
-            <a:avLst/>
-          </a:prstGeom>
-        </p:spPr>
+        <p:spPr/>
         <p:txBody>
           <a:bodyPr/>
           <a:lstStyle/>
           <a:p>
-            <a:pPr marL="0" indent="0">
-              <a:buNone/>
-            </a:pPr>
-            <a:r>
-              <a:rPr lang="en-US" dirty="0">
-                <a:solidFill>
-                  <a:schemeClr val="bg1"/>
-                </a:solidFill>
-              </a:rPr>
-              <a:t>Questions?</a:t>
+            <a:r>
+              <a:rPr lang="en-US" dirty="0"/>
+              <a:t>Assignment</a:t>
             </a:r>
           </a:p>
         </p:txBody>
@@ -4884,7 +5077,7 @@
     </p:spTree>
     <p:extLst>
       <p:ext uri="{BB962C8B-B14F-4D97-AF65-F5344CB8AC3E}">
-        <p14:creationId xmlns:p14="http://schemas.microsoft.com/office/powerpoint/2010/main" val="2623771264"/>
+        <p14:creationId xmlns:p14="http://schemas.microsoft.com/office/powerpoint/2010/main" val="1646258641"/>
       </p:ext>
     </p:extLst>
   </p:cSld>
@@ -5032,6 +5225,290 @@
 </file>
 
 <file path=ppt/slides/slide20.xml><?xml version="1.0" encoding="utf-8"?>
+<p:sld xmlns:a="http://schemas.openxmlformats.org/drawingml/2006/main" xmlns:r="http://schemas.openxmlformats.org/officeDocument/2006/relationships" xmlns:p="http://schemas.openxmlformats.org/presentationml/2006/main" show="0">
+  <p:cSld>
+    <p:spTree>
+      <p:nvGrpSpPr>
+        <p:cNvPr id="1" name="">
+          <a:extLst>
+            <a:ext uri="{FF2B5EF4-FFF2-40B4-BE49-F238E27FC236}">
+              <a16:creationId xmlns:a16="http://schemas.microsoft.com/office/drawing/2014/main" id="{8B239706-9A6E-EE15-F722-960747E74203}"/>
+            </a:ext>
+          </a:extLst>
+        </p:cNvPr>
+        <p:cNvGrpSpPr/>
+        <p:nvPr/>
+      </p:nvGrpSpPr>
+      <p:grpSpPr>
+        <a:xfrm>
+          <a:off x="0" y="0"/>
+          <a:ext cx="0" cy="0"/>
+          <a:chOff x="0" y="0"/>
+          <a:chExt cx="0" cy="0"/>
+        </a:xfrm>
+      </p:grpSpPr>
+      <p:sp>
+        <p:nvSpPr>
+          <p:cNvPr id="2" name="Text Placeholder 1">
+            <a:extLst>
+              <a:ext uri="{FF2B5EF4-FFF2-40B4-BE49-F238E27FC236}">
+                <a16:creationId xmlns:a16="http://schemas.microsoft.com/office/drawing/2014/main" id="{090CB123-2E44-D899-5EBB-D9DCB23B66D2}"/>
+              </a:ext>
+            </a:extLst>
+          </p:cNvPr>
+          <p:cNvSpPr>
+            <a:spLocks noGrp="1"/>
+          </p:cNvSpPr>
+          <p:nvPr>
+            <p:ph type="body" sz="quarter" idx="10"/>
+          </p:nvPr>
+        </p:nvSpPr>
+        <p:spPr/>
+        <p:txBody>
+          <a:bodyPr/>
+          <a:lstStyle/>
+          <a:p>
+            <a:r>
+              <a:rPr lang="en-US" sz="2000" dirty="0"/>
+              <a:t>Write your own network covert channel</a:t>
+            </a:r>
+          </a:p>
+          <a:p>
+            <a:r>
+              <a:rPr lang="en-US" sz="2000" dirty="0"/>
+              <a:t>Need to exfil sensitive data from a target network</a:t>
+            </a:r>
+          </a:p>
+          <a:p>
+            <a:r>
+              <a:rPr lang="en-US" sz="2000" dirty="0"/>
+              <a:t>You can use Exercise2.pcap as your target network traffic if desired</a:t>
+            </a:r>
+          </a:p>
+          <a:p>
+            <a:r>
+              <a:rPr lang="en-US" sz="2000" dirty="0"/>
+              <a:t>Assume basic default firewall on target (i.e</a:t>
+            </a:r>
+            <a:r>
+              <a:rPr lang="en-US" dirty="0"/>
+              <a:t>. Windows Defender)</a:t>
+            </a:r>
+            <a:endParaRPr lang="en-US" sz="2000" dirty="0"/>
+          </a:p>
+          <a:p>
+            <a:r>
+              <a:rPr lang="en-US" sz="2000" dirty="0"/>
+              <a:t>Assume basic IDS with default rules – Sys Admin will parse alerts</a:t>
+            </a:r>
+          </a:p>
+          <a:p>
+            <a:r>
+              <a:rPr lang="en-US" sz="2000" dirty="0"/>
+              <a:t>Discuss covert channels, metrics, types, and patterns</a:t>
+            </a:r>
+          </a:p>
+          <a:p>
+            <a:r>
+              <a:rPr lang="en-US" sz="2000" dirty="0"/>
+              <a:t>Discuss development process</a:t>
+            </a:r>
+          </a:p>
+          <a:p>
+            <a:r>
+              <a:rPr lang="en-US" sz="2000" dirty="0"/>
+              <a:t>Discuss channel metrics, pattern, tradeoffs, design choice, etc.</a:t>
+            </a:r>
+          </a:p>
+        </p:txBody>
+      </p:sp>
+      <p:sp>
+        <p:nvSpPr>
+          <p:cNvPr id="3" name="Text Placeholder 2">
+            <a:extLst>
+              <a:ext uri="{FF2B5EF4-FFF2-40B4-BE49-F238E27FC236}">
+                <a16:creationId xmlns:a16="http://schemas.microsoft.com/office/drawing/2014/main" id="{46B3F34F-1682-8D05-56E4-BA77B21284D5}"/>
+              </a:ext>
+            </a:extLst>
+          </p:cNvPr>
+          <p:cNvSpPr>
+            <a:spLocks noGrp="1"/>
+          </p:cNvSpPr>
+          <p:nvPr>
+            <p:ph type="body" sz="quarter" idx="11"/>
+          </p:nvPr>
+        </p:nvSpPr>
+        <p:spPr/>
+        <p:txBody>
+          <a:bodyPr/>
+          <a:lstStyle/>
+          <a:p>
+            <a:r>
+              <a:rPr lang="en-US" dirty="0"/>
+              <a:t>Assignment</a:t>
+            </a:r>
+          </a:p>
+        </p:txBody>
+      </p:sp>
+    </p:spTree>
+    <p:extLst>
+      <p:ext uri="{BB962C8B-B14F-4D97-AF65-F5344CB8AC3E}">
+        <p14:creationId xmlns:p14="http://schemas.microsoft.com/office/powerpoint/2010/main" val="898343419"/>
+      </p:ext>
+    </p:extLst>
+  </p:cSld>
+  <p:clrMapOvr>
+    <a:masterClrMapping/>
+  </p:clrMapOvr>
+</p:sld>
+</file>
+
+<file path=ppt/slides/slide21.xml><?xml version="1.0" encoding="utf-8"?>
+<p:sld xmlns:a="http://schemas.openxmlformats.org/drawingml/2006/main" xmlns:r="http://schemas.openxmlformats.org/officeDocument/2006/relationships" xmlns:p="http://schemas.openxmlformats.org/presentationml/2006/main">
+  <p:cSld>
+    <p:spTree>
+      <p:nvGrpSpPr>
+        <p:cNvPr id="1" name=""/>
+        <p:cNvGrpSpPr/>
+        <p:nvPr/>
+      </p:nvGrpSpPr>
+      <p:grpSpPr>
+        <a:xfrm>
+          <a:off x="0" y="0"/>
+          <a:ext cx="0" cy="0"/>
+          <a:chOff x="0" y="0"/>
+          <a:chExt cx="0" cy="0"/>
+        </a:xfrm>
+      </p:grpSpPr>
+      <p:sp>
+        <p:nvSpPr>
+          <p:cNvPr id="2" name="Text Placeholder 1">
+            <a:extLst>
+              <a:ext uri="{FF2B5EF4-FFF2-40B4-BE49-F238E27FC236}">
+                <a16:creationId xmlns:a16="http://schemas.microsoft.com/office/drawing/2014/main" id="{258AB261-9BBB-4BCA-BA4B-51127B8249C3}"/>
+              </a:ext>
+            </a:extLst>
+          </p:cNvPr>
+          <p:cNvSpPr>
+            <a:spLocks noGrp="1"/>
+          </p:cNvSpPr>
+          <p:nvPr>
+            <p:ph type="body" sz="quarter" idx="4294967295"/>
+          </p:nvPr>
+        </p:nvSpPr>
+        <p:spPr>
+          <a:xfrm>
+            <a:off x="0" y="1144588"/>
+            <a:ext cx="8686800" cy="5114925"/>
+          </a:xfrm>
+          <a:prstGeom prst="rect">
+            <a:avLst/>
+          </a:prstGeom>
+        </p:spPr>
+        <p:txBody>
+          <a:bodyPr anchor="ctr"/>
+          <a:lstStyle/>
+          <a:p>
+            <a:pPr marL="203200" indent="0" algn="ctr">
+              <a:buNone/>
+            </a:pPr>
+            <a:r>
+              <a:rPr lang="en-US" sz="3000" dirty="0" err="1">
+                <a:solidFill>
+                  <a:schemeClr val="bg1"/>
+                </a:solidFill>
+                <a:latin typeface="Calibri" panose="020F0502020204030204" pitchFamily="34" charset="0"/>
+                <a:cs typeface="Calibri" panose="020F0502020204030204" pitchFamily="34" charset="0"/>
+              </a:rPr>
+              <a:t>Capt</a:t>
+            </a:r>
+            <a:r>
+              <a:rPr lang="en-US" sz="3000" dirty="0">
+                <a:solidFill>
+                  <a:schemeClr val="bg1"/>
+                </a:solidFill>
+                <a:latin typeface="Calibri" panose="020F0502020204030204" pitchFamily="34" charset="0"/>
+                <a:cs typeface="Calibri" panose="020F0502020204030204" pitchFamily="34" charset="0"/>
+              </a:rPr>
+              <a:t> </a:t>
+            </a:r>
+            <a:r>
+              <a:rPr lang="en-US" sz="3000">
+                <a:solidFill>
+                  <a:schemeClr val="bg1"/>
+                </a:solidFill>
+                <a:latin typeface="Calibri" panose="020F0502020204030204" pitchFamily="34" charset="0"/>
+                <a:cs typeface="Calibri" panose="020F0502020204030204" pitchFamily="34" charset="0"/>
+              </a:rPr>
+              <a:t>Daniel Fitzgerald</a:t>
+            </a:r>
+            <a:endParaRPr lang="en-US" sz="3000" dirty="0">
+              <a:solidFill>
+                <a:schemeClr val="bg1"/>
+              </a:solidFill>
+              <a:latin typeface="Calibri" panose="020F0502020204030204" pitchFamily="34" charset="0"/>
+              <a:cs typeface="Calibri" panose="020F0502020204030204" pitchFamily="34" charset="0"/>
+            </a:endParaRPr>
+          </a:p>
+        </p:txBody>
+      </p:sp>
+      <p:sp>
+        <p:nvSpPr>
+          <p:cNvPr id="3" name="Text Placeholder 2">
+            <a:extLst>
+              <a:ext uri="{FF2B5EF4-FFF2-40B4-BE49-F238E27FC236}">
+                <a16:creationId xmlns:a16="http://schemas.microsoft.com/office/drawing/2014/main" id="{74BD7569-8455-48AD-8BB5-96D6B2602815}"/>
+              </a:ext>
+            </a:extLst>
+          </p:cNvPr>
+          <p:cNvSpPr>
+            <a:spLocks noGrp="1"/>
+          </p:cNvSpPr>
+          <p:nvPr>
+            <p:ph type="body" sz="quarter" idx="4294967295"/>
+          </p:nvPr>
+        </p:nvSpPr>
+        <p:spPr>
+          <a:xfrm>
+            <a:off x="0" y="550863"/>
+            <a:ext cx="8686800" cy="439737"/>
+          </a:xfrm>
+          <a:prstGeom prst="rect">
+            <a:avLst/>
+          </a:prstGeom>
+        </p:spPr>
+        <p:txBody>
+          <a:bodyPr/>
+          <a:lstStyle/>
+          <a:p>
+            <a:pPr marL="0" indent="0">
+              <a:buNone/>
+            </a:pPr>
+            <a:r>
+              <a:rPr lang="en-US" dirty="0">
+                <a:solidFill>
+                  <a:schemeClr val="bg1"/>
+                </a:solidFill>
+              </a:rPr>
+              <a:t>Questions?</a:t>
+            </a:r>
+          </a:p>
+        </p:txBody>
+      </p:sp>
+    </p:spTree>
+    <p:extLst>
+      <p:ext uri="{BB962C8B-B14F-4D97-AF65-F5344CB8AC3E}">
+        <p14:creationId xmlns:p14="http://schemas.microsoft.com/office/powerpoint/2010/main" val="2623771264"/>
+      </p:ext>
+    </p:extLst>
+  </p:cSld>
+  <p:clrMapOvr>
+    <a:masterClrMapping/>
+  </p:clrMapOvr>
+</p:sld>
+</file>
+
+<file path=ppt/slides/slide22.xml><?xml version="1.0" encoding="utf-8"?>
 <p:sld xmlns:a="http://schemas.openxmlformats.org/drawingml/2006/main" xmlns:r="http://schemas.openxmlformats.org/officeDocument/2006/relationships" xmlns:p="http://schemas.openxmlformats.org/presentationml/2006/main">
   <p:cSld>
     <p:spTree>
@@ -5780,8 +6257,13 @@
           <a:p>
             <a:r>
               <a:rPr lang="en-US" sz="2000" dirty="0"/>
-              <a:t>Endgame???</a:t>
-            </a:r>
+              <a:t>Endgame</a:t>
+            </a:r>
+            <a:r>
+              <a:rPr lang="en-US" dirty="0"/>
+              <a:t> or some new AI hotness Silicon Valley is selling?</a:t>
+            </a:r>
+            <a:endParaRPr lang="en-US" sz="2000" dirty="0"/>
           </a:p>
           <a:p>
             <a:r>
